--- a/materials/slides/ch08-2.pptx
+++ b/materials/slides/ch08-2.pptx
@@ -136,7 +136,7 @@
   </p:defaultTextStyle>
   <p:extLst>
     <p:ext uri="{EFAFB233-063F-42B5-8137-9DF3F51BA10A}">
-      <p15:sldGuideLst xmlns:p15="http://schemas.microsoft.com/office/powerpoint/2012/main">
+      <p15:sldGuideLst xmlns="" xmlns:p15="http://schemas.microsoft.com/office/powerpoint/2012/main">
         <p15:guide id="1" orient="horz" pos="2160" userDrawn="1">
           <p15:clr>
             <a:srgbClr val="A4A3A4"/>
@@ -158,7 +158,7 @@
   <p:cmAuthor id="1" name="Eetze" initials="E" lastIdx="1" clrIdx="0">
     <p:extLst>
       <p:ext uri="{19B8F6BF-5375-455C-9EA6-DF929625EA0E}">
-        <p15:presenceInfo xmlns:p15="http://schemas.microsoft.com/office/powerpoint/2012/main" userId="Eetze" providerId="None"/>
+        <p15:presenceInfo xmlns="" xmlns:p15="http://schemas.microsoft.com/office/powerpoint/2012/main" userId="Eetze" providerId="None"/>
       </p:ext>
     </p:extLst>
   </p:cmAuthor>
@@ -247,7 +247,7 @@
           <a:p>
             <a:fld id="{A097A4FE-15A4-4468-9890-CEB24014ACB3}" type="datetimeFigureOut">
               <a:rPr lang="zh-CN" altLang="en-US" smtClean="0"/>
-              <a:t>2018/4/2</a:t>
+              <a:t>2018/10/30</a:t>
             </a:fld>
             <a:endParaRPr lang="zh-CN" altLang="en-US"/>
           </a:p>
@@ -3106,7 +3106,7 @@
           <a:p>
             <a:fld id="{530820CF-B880-4189-942D-D702A7CBA730}" type="datetimeFigureOut">
               <a:rPr lang="zh-CN" altLang="en-US" smtClean="0"/>
-              <a:t>2018/4/2</a:t>
+              <a:t>2018/10/30</a:t>
             </a:fld>
             <a:endParaRPr lang="zh-CN" altLang="en-US"/>
           </a:p>
@@ -3225,7 +3225,7 @@
           <a:p>
             <a:fld id="{530820CF-B880-4189-942D-D702A7CBA730}" type="datetimeFigureOut">
               <a:rPr lang="zh-CN" altLang="en-US" smtClean="0"/>
-              <a:t>2018/4/2</a:t>
+              <a:t>2018/10/30</a:t>
             </a:fld>
             <a:endParaRPr lang="zh-CN" altLang="en-US"/>
           </a:p>
@@ -3628,7 +3628,7 @@
           <a:p>
             <a:fld id="{530820CF-B880-4189-942D-D702A7CBA730}" type="datetimeFigureOut">
               <a:rPr lang="zh-CN" altLang="en-US" smtClean="0"/>
-              <a:t>2018/4/2</a:t>
+              <a:t>2018/10/30</a:t>
             </a:fld>
             <a:endParaRPr lang="zh-CN" altLang="en-US"/>
           </a:p>
@@ -4176,22 +4176,26 @@
           <a:lstStyle/>
           <a:p>
             <a:r>
+              <a:rPr lang="zh-CN" altLang="en-US" smtClean="0"/>
+              <a:t>第七章 </a:t>
+            </a:r>
+            <a:r>
               <a:rPr lang="zh-CN" altLang="en-US"/>
-              <a:t>第八章 第二讲</a:t>
+              <a:t>第二讲</a:t>
             </a:r>
             <a:br>
               <a:rPr lang="zh-CN" altLang="en-US"/>
             </a:br>
             <a:r>
-              <a:rPr lang="en-US" altLang="zh-CN"/>
+              <a:rPr lang="en-US" altLang="zh-CN" dirty="0"/>
               <a:t>Android</a:t>
             </a:r>
             <a:r>
-              <a:rPr lang="zh-CN" altLang="en-US"/>
+              <a:rPr lang="zh-CN" altLang="en-US" dirty="0"/>
               <a:t>的</a:t>
             </a:r>
             <a:r>
-              <a:rPr lang="en-US" altLang="zh-CN"/>
+              <a:rPr lang="en-US" altLang="zh-CN" dirty="0"/>
               <a:t>SQLite</a:t>
             </a:r>
           </a:p>
@@ -5066,7 +5070,7 @@
               </a:spcBef>
             </a:pPr>
             <a:r>
-              <a:rPr lang="zh-CN" altLang="en-US" sz="2800">
+              <a:rPr lang="zh-CN" altLang="en-US" sz="2800" dirty="0">
                 <a:solidFill>
                   <a:schemeClr val="tx1">
                     <a:lumMod val="85000"/>
@@ -5076,7 +5080,7 @@
               </a:rPr>
               <a:t>参数一：表名称。</a:t>
             </a:r>
-            <a:endParaRPr lang="en-US" altLang="zh-CN" sz="2800" smtClean="0">
+            <a:endParaRPr lang="en-US" altLang="zh-CN" sz="2800" dirty="0" smtClean="0">
               <a:solidFill>
                 <a:schemeClr val="tx1">
                   <a:lumMod val="85000"/>
@@ -5092,7 +5096,7 @@
               </a:spcBef>
             </a:pPr>
             <a:r>
-              <a:rPr lang="zh-CN" altLang="en-US" sz="2800" smtClean="0">
+              <a:rPr lang="zh-CN" altLang="en-US" sz="2800" dirty="0" smtClean="0">
                 <a:solidFill>
                   <a:schemeClr val="tx1">
                     <a:lumMod val="85000"/>
@@ -5103,7 +5107,7 @@
               <a:t>参数二</a:t>
             </a:r>
             <a:r>
-              <a:rPr lang="zh-CN" altLang="en-US" sz="2800">
+              <a:rPr lang="zh-CN" altLang="en-US" sz="2800" dirty="0">
                 <a:solidFill>
                   <a:schemeClr val="tx1">
                     <a:lumMod val="85000"/>
@@ -5114,7 +5118,7 @@
               <a:t>：删除条件</a:t>
             </a:r>
             <a:r>
-              <a:rPr lang="zh-CN" altLang="en-US" sz="2800" smtClean="0">
+              <a:rPr lang="zh-CN" altLang="en-US" sz="2800" dirty="0" smtClean="0">
                 <a:solidFill>
                   <a:schemeClr val="tx1">
                     <a:lumMod val="85000"/>
@@ -5124,7 +5128,7 @@
               </a:rPr>
               <a:t>。</a:t>
             </a:r>
-            <a:endParaRPr lang="en-US" altLang="zh-CN" sz="2800" smtClean="0">
+            <a:endParaRPr lang="en-US" altLang="zh-CN" sz="2800" dirty="0" smtClean="0">
               <a:solidFill>
                 <a:schemeClr val="tx1">
                   <a:lumMod val="85000"/>
@@ -5140,26 +5144,48 @@
               </a:spcBef>
             </a:pPr>
             <a:r>
-              <a:rPr lang="zh-CN" altLang="en-US" sz="2800">
-                <a:solidFill>
-                  <a:schemeClr val="tx1">
-                    <a:lumMod val="85000"/>
-                    <a:lumOff val="15000"/>
-                  </a:schemeClr>
-                </a:solidFill>
-              </a:rPr>
-              <a:t>参数三：删除条件值</a:t>
-            </a:r>
-            <a:r>
-              <a:rPr lang="zh-CN" altLang="en-US" sz="2800" smtClean="0">
-                <a:solidFill>
-                  <a:schemeClr val="tx1">
-                    <a:lumMod val="85000"/>
-                    <a:lumOff val="15000"/>
-                  </a:schemeClr>
-                </a:solidFill>
-              </a:rPr>
-              <a:t>数组。</a:t>
+              <a:rPr lang="zh-CN" altLang="en-US" sz="2800" dirty="0">
+                <a:solidFill>
+                  <a:schemeClr val="tx1">
+                    <a:lumMod val="85000"/>
+                    <a:lumOff val="15000"/>
+                  </a:schemeClr>
+                </a:solidFill>
+              </a:rPr>
+              <a:t>参数三：删除</a:t>
+            </a:r>
+            <a:r>
+              <a:rPr lang="zh-CN" altLang="en-US" sz="2800" dirty="0" smtClean="0">
+                <a:solidFill>
+                  <a:schemeClr val="tx1">
+                    <a:lumMod val="85000"/>
+                    <a:lumOff val="15000"/>
+                  </a:schemeClr>
+                </a:solidFill>
+              </a:rPr>
+              <a:t>条件</a:t>
+            </a:r>
+            <a:r>
+              <a:rPr lang="zh-CN" altLang="en-US" sz="2800" dirty="0" smtClean="0">
+                <a:solidFill>
+                  <a:schemeClr val="tx1">
+                    <a:lumMod val="85000"/>
+                    <a:lumOff val="15000"/>
+                  </a:schemeClr>
+                </a:solidFill>
+              </a:rPr>
+              <a:t>参数</a:t>
+            </a:r>
+            <a:r>
+              <a:rPr lang="zh-CN" altLang="en-US" sz="2800" dirty="0" smtClean="0">
+                <a:solidFill>
+                  <a:schemeClr val="tx1">
+                    <a:lumMod val="85000"/>
+                    <a:lumOff val="15000"/>
+                  </a:schemeClr>
+                </a:solidFill>
+              </a:rPr>
+              <a:t>。</a:t>
             </a:r>
             <a:endParaRPr lang="en-US" altLang="zh-CN" sz="2800" dirty="0">
               <a:solidFill>
@@ -5225,7 +5251,7 @@
           <a:lstStyle/>
           <a:p>
             <a:r>
-              <a:rPr lang="zh-CN" altLang="en-US" sz="3200" smtClean="0">
+              <a:rPr lang="zh-CN" altLang="en-US" sz="3200" dirty="0" smtClean="0">
                 <a:solidFill>
                   <a:schemeClr val="tx1">
                     <a:lumMod val="85000"/>
@@ -5236,19 +5262,23 @@
               <a:t>调用</a:t>
             </a:r>
             <a:r>
-              <a:rPr lang="en-US" altLang="zh-CN" sz="3200"/>
-              <a:t>SQLiteDatabase. update()</a:t>
-            </a:r>
-            <a:r>
-              <a:rPr lang="zh-CN" altLang="en-US" sz="3200" smtClean="0"/>
+              <a:rPr lang="en-US" altLang="zh-CN" sz="3200" dirty="0" err="1"/>
+              <a:t>SQLiteDatabase</a:t>
+            </a:r>
+            <a:r>
+              <a:rPr lang="en-US" altLang="zh-CN" sz="3200" dirty="0"/>
+              <a:t>. update()</a:t>
+            </a:r>
+            <a:r>
+              <a:rPr lang="zh-CN" altLang="en-US" sz="3200" dirty="0" smtClean="0"/>
               <a:t>方法完成数据</a:t>
             </a:r>
             <a:r>
-              <a:rPr lang="zh-CN" altLang="en-US" sz="3200"/>
-              <a:t>删除</a:t>
-            </a:r>
-            <a:r>
-              <a:rPr lang="zh-CN" altLang="en-US" sz="3200" smtClean="0"/>
+              <a:rPr lang="zh-CN" altLang="en-US" sz="3200" dirty="0"/>
+              <a:t>修改</a:t>
+            </a:r>
+            <a:r>
+              <a:rPr lang="zh-CN" altLang="en-US" sz="3200" dirty="0" smtClean="0"/>
               <a:t>。</a:t>
             </a:r>
             <a:endParaRPr lang="en-US" altLang="zh-CN" sz="3200" dirty="0">
@@ -5345,7 +5375,7 @@
               <a:defRPr/>
             </a:pPr>
             <a:r>
-              <a:rPr lang="en-US" altLang="zh-CN" sz="2800" b="1">
+              <a:rPr lang="en-US" altLang="zh-CN" sz="2800" b="1" dirty="0" err="1">
                 <a:solidFill>
                   <a:schemeClr val="tx1">
                     <a:lumMod val="85000"/>
@@ -5355,7 +5385,46 @@
                 <a:latin typeface="Consolas" panose="020B0609020204030204" pitchFamily="49" charset="0"/>
                 <a:ea typeface="微软雅黑" panose="020B0503020204020204" pitchFamily="34" charset="-122"/>
               </a:rPr>
-              <a:t>ContentValues values = new ContentValues();</a:t>
+              <a:t>ContentValues</a:t>
+            </a:r>
+            <a:r>
+              <a:rPr lang="en-US" altLang="zh-CN" sz="2800" b="1" dirty="0">
+                <a:solidFill>
+                  <a:schemeClr val="tx1">
+                    <a:lumMod val="85000"/>
+                    <a:lumOff val="15000"/>
+                  </a:schemeClr>
+                </a:solidFill>
+                <a:latin typeface="Consolas" panose="020B0609020204030204" pitchFamily="49" charset="0"/>
+                <a:ea typeface="微软雅黑" panose="020B0503020204020204" pitchFamily="34" charset="-122"/>
+              </a:rPr>
+              <a:t> values = new </a:t>
+            </a:r>
+            <a:r>
+              <a:rPr lang="en-US" altLang="zh-CN" sz="2800" b="1" dirty="0" err="1">
+                <a:solidFill>
+                  <a:schemeClr val="tx1">
+                    <a:lumMod val="85000"/>
+                    <a:lumOff val="15000"/>
+                  </a:schemeClr>
+                </a:solidFill>
+                <a:latin typeface="Consolas" panose="020B0609020204030204" pitchFamily="49" charset="0"/>
+                <a:ea typeface="微软雅黑" panose="020B0503020204020204" pitchFamily="34" charset="-122"/>
+              </a:rPr>
+              <a:t>ContentValues</a:t>
+            </a:r>
+            <a:r>
+              <a:rPr lang="en-US" altLang="zh-CN" sz="2800" b="1" dirty="0">
+                <a:solidFill>
+                  <a:schemeClr val="tx1">
+                    <a:lumMod val="85000"/>
+                    <a:lumOff val="15000"/>
+                  </a:schemeClr>
+                </a:solidFill>
+                <a:latin typeface="Consolas" panose="020B0609020204030204" pitchFamily="49" charset="0"/>
+                <a:ea typeface="微软雅黑" panose="020B0503020204020204" pitchFamily="34" charset="-122"/>
+              </a:rPr>
+              <a:t>();</a:t>
             </a:r>
           </a:p>
           <a:p>
@@ -5363,7 +5432,7 @@
               <a:defRPr/>
             </a:pPr>
             <a:r>
-              <a:rPr lang="en-US" altLang="zh-CN" sz="2800" b="1" smtClean="0">
+              <a:rPr lang="en-US" altLang="zh-CN" sz="2800" b="1" dirty="0" err="1" smtClean="0">
                 <a:solidFill>
                   <a:schemeClr val="tx1">
                     <a:lumMod val="85000"/>
@@ -5376,7 +5445,7 @@
               <a:t>values.put</a:t>
             </a:r>
             <a:r>
-              <a:rPr lang="en-US" altLang="zh-CN" sz="2800" b="1">
+              <a:rPr lang="en-US" altLang="zh-CN" sz="2800" b="1" dirty="0">
                 <a:solidFill>
                   <a:schemeClr val="tx1">
                     <a:lumMod val="85000"/>
@@ -5394,7 +5463,7 @@
               <a:defRPr/>
             </a:pPr>
             <a:r>
-              <a:rPr lang="en-US" altLang="zh-CN" sz="2800" b="1" smtClean="0">
+              <a:rPr lang="en-US" altLang="zh-CN" sz="2800" b="1" dirty="0" smtClean="0">
                 <a:solidFill>
                   <a:srgbClr val="00B050"/>
                 </a:solidFill>
@@ -5404,7 +5473,7 @@
               <a:t>// </a:t>
             </a:r>
             <a:r>
-              <a:rPr lang="zh-CN" altLang="en-US" sz="2800">
+              <a:rPr lang="zh-CN" altLang="en-US" sz="2800" dirty="0">
                 <a:solidFill>
                   <a:srgbClr val="00B050"/>
                 </a:solidFill>
@@ -5419,7 +5488,7 @@
               <a:defRPr/>
             </a:pPr>
             <a:r>
-              <a:rPr lang="en-US" altLang="zh-CN" sz="2800" b="1" smtClean="0">
+              <a:rPr lang="en-US" altLang="zh-CN" sz="2800" b="1" dirty="0" smtClean="0">
                 <a:solidFill>
                   <a:schemeClr val="tx1">
                     <a:lumMod val="85000"/>
@@ -5432,7 +5501,7 @@
               <a:t>String </a:t>
             </a:r>
             <a:r>
-              <a:rPr lang="en-US" altLang="zh-CN" sz="2800" b="1">
+              <a:rPr lang="en-US" altLang="zh-CN" sz="2800" b="1" dirty="0" err="1">
                 <a:solidFill>
                   <a:schemeClr val="tx1">
                     <a:lumMod val="85000"/>
@@ -5442,7 +5511,20 @@
                 <a:latin typeface="Consolas" panose="020B0609020204030204" pitchFamily="49" charset="0"/>
                 <a:ea typeface="微软雅黑" panose="020B0503020204020204" pitchFamily="34" charset="-122"/>
               </a:rPr>
-              <a:t>whereClause = "ID=?";</a:t>
+              <a:t>whereClause</a:t>
+            </a:r>
+            <a:r>
+              <a:rPr lang="en-US" altLang="zh-CN" sz="2800" b="1" dirty="0">
+                <a:solidFill>
+                  <a:schemeClr val="tx1">
+                    <a:lumMod val="85000"/>
+                    <a:lumOff val="15000"/>
+                  </a:schemeClr>
+                </a:solidFill>
+                <a:latin typeface="Consolas" panose="020B0609020204030204" pitchFamily="49" charset="0"/>
+                <a:ea typeface="微软雅黑" panose="020B0503020204020204" pitchFamily="34" charset="-122"/>
+              </a:rPr>
+              <a:t> = "ID=?";</a:t>
             </a:r>
           </a:p>
           <a:p>
@@ -5450,7 +5532,7 @@
               <a:defRPr/>
             </a:pPr>
             <a:r>
-              <a:rPr lang="en-US" altLang="zh-CN" sz="2800" b="1" smtClean="0">
+              <a:rPr lang="en-US" altLang="zh-CN" sz="2800" b="1" dirty="0" smtClean="0">
                 <a:solidFill>
                   <a:srgbClr val="00B050"/>
                 </a:solidFill>
@@ -5460,22 +5542,49 @@
               <a:t>// </a:t>
             </a:r>
             <a:r>
-              <a:rPr lang="zh-CN" altLang="en-US" sz="2800">
+              <a:rPr lang="zh-CN" altLang="en-US" sz="2800" dirty="0" smtClean="0">
                 <a:solidFill>
                   <a:srgbClr val="00B050"/>
                 </a:solidFill>
                 <a:latin typeface="Consolas" panose="020B0609020204030204" pitchFamily="49" charset="0"/>
                 <a:ea typeface="微软雅黑" panose="020B0503020204020204" pitchFamily="34" charset="-122"/>
               </a:rPr>
-              <a:t>修改添加参数</a:t>
-            </a:r>
+              <a:t>修改</a:t>
+            </a:r>
+            <a:r>
+              <a:rPr lang="zh-CN" altLang="en-US" sz="2800" dirty="0">
+                <a:solidFill>
+                  <a:srgbClr val="00B050"/>
+                </a:solidFill>
+                <a:latin typeface="Consolas" panose="020B0609020204030204" pitchFamily="49" charset="0"/>
+                <a:ea typeface="微软雅黑" panose="020B0503020204020204" pitchFamily="34" charset="-122"/>
+              </a:rPr>
+              <a:t>条件</a:t>
+            </a:r>
+            <a:r>
+              <a:rPr lang="zh-CN" altLang="en-US" sz="2800" dirty="0" smtClean="0">
+                <a:solidFill>
+                  <a:srgbClr val="00B050"/>
+                </a:solidFill>
+                <a:latin typeface="Consolas" panose="020B0609020204030204" pitchFamily="49" charset="0"/>
+                <a:ea typeface="微软雅黑" panose="020B0503020204020204" pitchFamily="34" charset="-122"/>
+              </a:rPr>
+              <a:t>参数</a:t>
+            </a:r>
+            <a:endParaRPr lang="zh-CN" altLang="en-US" sz="2800" dirty="0">
+              <a:solidFill>
+                <a:srgbClr val="00B050"/>
+              </a:solidFill>
+              <a:latin typeface="Consolas" panose="020B0609020204030204" pitchFamily="49" charset="0"/>
+              <a:ea typeface="微软雅黑" panose="020B0503020204020204" pitchFamily="34" charset="-122"/>
+            </a:endParaRPr>
           </a:p>
           <a:p>
             <a:pPr>
               <a:defRPr/>
             </a:pPr>
             <a:r>
-              <a:rPr lang="en-US" altLang="zh-CN" sz="2800" b="1" smtClean="0">
+              <a:rPr lang="en-US" altLang="zh-CN" sz="2800" b="1" dirty="0" smtClean="0">
                 <a:solidFill>
                   <a:schemeClr val="tx1">
                     <a:lumMod val="85000"/>
@@ -5488,7 +5597,7 @@
               <a:t>String</a:t>
             </a:r>
             <a:r>
-              <a:rPr lang="en-US" altLang="zh-CN" sz="2800" b="1">
+              <a:rPr lang="en-US" altLang="zh-CN" sz="2800" b="1" dirty="0">
                 <a:solidFill>
                   <a:schemeClr val="tx1">
                     <a:lumMod val="85000"/>
@@ -5498,10 +5607,62 @@
                 <a:latin typeface="Consolas" panose="020B0609020204030204" pitchFamily="49" charset="0"/>
                 <a:ea typeface="微软雅黑" panose="020B0503020204020204" pitchFamily="34" charset="-122"/>
               </a:rPr>
-              <a:t>[] whereArgs={String.valueOf(1</a:t>
-            </a:r>
-            <a:r>
-              <a:rPr lang="en-US" altLang="zh-CN" sz="2800" b="1" smtClean="0">
+              <a:t>[] </a:t>
+            </a:r>
+            <a:r>
+              <a:rPr lang="en-US" altLang="zh-CN" sz="2800" b="1" dirty="0" err="1">
+                <a:solidFill>
+                  <a:schemeClr val="tx1">
+                    <a:lumMod val="85000"/>
+                    <a:lumOff val="15000"/>
+                  </a:schemeClr>
+                </a:solidFill>
+                <a:latin typeface="Consolas" panose="020B0609020204030204" pitchFamily="49" charset="0"/>
+                <a:ea typeface="微软雅黑" panose="020B0503020204020204" pitchFamily="34" charset="-122"/>
+              </a:rPr>
+              <a:t>whereArgs</a:t>
+            </a:r>
+            <a:r>
+              <a:rPr lang="en-US" altLang="zh-CN" sz="2800" b="1" dirty="0">
+                <a:solidFill>
+                  <a:schemeClr val="tx1">
+                    <a:lumMod val="85000"/>
+                    <a:lumOff val="15000"/>
+                  </a:schemeClr>
+                </a:solidFill>
+                <a:latin typeface="Consolas" panose="020B0609020204030204" pitchFamily="49" charset="0"/>
+                <a:ea typeface="微软雅黑" panose="020B0503020204020204" pitchFamily="34" charset="-122"/>
+              </a:rPr>
+              <a:t>={</a:t>
+            </a:r>
+            <a:r>
+              <a:rPr lang="en-US" altLang="zh-CN" sz="2800" b="1" dirty="0" err="1">
+                <a:solidFill>
+                  <a:schemeClr val="tx1">
+                    <a:lumMod val="85000"/>
+                    <a:lumOff val="15000"/>
+                  </a:schemeClr>
+                </a:solidFill>
+                <a:latin typeface="Consolas" panose="020B0609020204030204" pitchFamily="49" charset="0"/>
+                <a:ea typeface="微软雅黑" panose="020B0503020204020204" pitchFamily="34" charset="-122"/>
+              </a:rPr>
+              <a:t>String.valueOf</a:t>
+            </a:r>
+            <a:r>
+              <a:rPr lang="en-US" altLang="zh-CN" sz="2800" b="1" dirty="0">
+                <a:solidFill>
+                  <a:schemeClr val="tx1">
+                    <a:lumMod val="85000"/>
+                    <a:lumOff val="15000"/>
+                  </a:schemeClr>
+                </a:solidFill>
+                <a:latin typeface="Consolas" panose="020B0609020204030204" pitchFamily="49" charset="0"/>
+                <a:ea typeface="微软雅黑" panose="020B0503020204020204" pitchFamily="34" charset="-122"/>
+              </a:rPr>
+              <a:t>(1</a:t>
+            </a:r>
+            <a:r>
+              <a:rPr lang="en-US" altLang="zh-CN" sz="2800" b="1" dirty="0" smtClean="0">
                 <a:solidFill>
                   <a:schemeClr val="tx1">
                     <a:lumMod val="85000"/>
@@ -5519,7 +5680,7 @@
               <a:defRPr/>
             </a:pPr>
             <a:r>
-              <a:rPr lang="en-US" altLang="zh-CN" sz="2800" b="1" smtClean="0">
+              <a:rPr lang="en-US" altLang="zh-CN" sz="2800" b="1" dirty="0" err="1" smtClean="0">
                 <a:solidFill>
                   <a:schemeClr val="tx1">
                     <a:lumMod val="85000"/>
@@ -5529,9 +5690,74 @@
                 <a:latin typeface="Consolas" panose="020B0609020204030204" pitchFamily="49" charset="0"/>
                 <a:ea typeface="微软雅黑" panose="020B0503020204020204" pitchFamily="34" charset="-122"/>
               </a:rPr>
-              <a:t>db.update("COMPANY", values, whereClause, whereArgs);</a:t>
-            </a:r>
-            <a:endParaRPr lang="en-US" altLang="zh-CN" sz="2800" b="1">
+              <a:t>db.update</a:t>
+            </a:r>
+            <a:r>
+              <a:rPr lang="en-US" altLang="zh-CN" sz="2800" b="1" dirty="0" smtClean="0">
+                <a:solidFill>
+                  <a:schemeClr val="tx1">
+                    <a:lumMod val="85000"/>
+                    <a:lumOff val="15000"/>
+                  </a:schemeClr>
+                </a:solidFill>
+                <a:latin typeface="Consolas" panose="020B0609020204030204" pitchFamily="49" charset="0"/>
+                <a:ea typeface="微软雅黑" panose="020B0503020204020204" pitchFamily="34" charset="-122"/>
+              </a:rPr>
+              <a:t>("COMPANY", values, </a:t>
+            </a:r>
+            <a:r>
+              <a:rPr lang="en-US" altLang="zh-CN" sz="2800" b="1" dirty="0" err="1" smtClean="0">
+                <a:solidFill>
+                  <a:schemeClr val="tx1">
+                    <a:lumMod val="85000"/>
+                    <a:lumOff val="15000"/>
+                  </a:schemeClr>
+                </a:solidFill>
+                <a:latin typeface="Consolas" panose="020B0609020204030204" pitchFamily="49" charset="0"/>
+                <a:ea typeface="微软雅黑" panose="020B0503020204020204" pitchFamily="34" charset="-122"/>
+              </a:rPr>
+              <a:t>whereClause</a:t>
+            </a:r>
+            <a:r>
+              <a:rPr lang="en-US" altLang="zh-CN" sz="2800" b="1" dirty="0" smtClean="0">
+                <a:solidFill>
+                  <a:schemeClr val="tx1">
+                    <a:lumMod val="85000"/>
+                    <a:lumOff val="15000"/>
+                  </a:schemeClr>
+                </a:solidFill>
+                <a:latin typeface="Consolas" panose="020B0609020204030204" pitchFamily="49" charset="0"/>
+                <a:ea typeface="微软雅黑" panose="020B0503020204020204" pitchFamily="34" charset="-122"/>
+              </a:rPr>
+              <a:t>, </a:t>
+            </a:r>
+            <a:r>
+              <a:rPr lang="en-US" altLang="zh-CN" sz="2800" b="1" dirty="0" err="1" smtClean="0">
+                <a:solidFill>
+                  <a:schemeClr val="tx1">
+                    <a:lumMod val="85000"/>
+                    <a:lumOff val="15000"/>
+                  </a:schemeClr>
+                </a:solidFill>
+                <a:latin typeface="Consolas" panose="020B0609020204030204" pitchFamily="49" charset="0"/>
+                <a:ea typeface="微软雅黑" panose="020B0503020204020204" pitchFamily="34" charset="-122"/>
+              </a:rPr>
+              <a:t>whereArgs</a:t>
+            </a:r>
+            <a:r>
+              <a:rPr lang="en-US" altLang="zh-CN" sz="2800" b="1" dirty="0" smtClean="0">
+                <a:solidFill>
+                  <a:schemeClr val="tx1">
+                    <a:lumMod val="85000"/>
+                    <a:lumOff val="15000"/>
+                  </a:schemeClr>
+                </a:solidFill>
+                <a:latin typeface="Consolas" panose="020B0609020204030204" pitchFamily="49" charset="0"/>
+                <a:ea typeface="微软雅黑" panose="020B0503020204020204" pitchFamily="34" charset="-122"/>
+              </a:rPr>
+              <a:t>);</a:t>
+            </a:r>
+            <a:endParaRPr lang="en-US" altLang="zh-CN" sz="2800" b="1" dirty="0">
               <a:solidFill>
                 <a:schemeClr val="tx1">
                   <a:lumMod val="85000"/>
@@ -5709,7 +5935,7 @@
               </a:spcBef>
             </a:pPr>
             <a:r>
-              <a:rPr lang="zh-CN" altLang="en-US" sz="2800">
+              <a:rPr lang="zh-CN" altLang="en-US" sz="2800" dirty="0">
                 <a:solidFill>
                   <a:schemeClr val="tx1">
                     <a:lumMod val="85000"/>
@@ -5719,7 +5945,7 @@
               </a:rPr>
               <a:t>参数一：表名称。</a:t>
             </a:r>
-            <a:endParaRPr lang="en-US" altLang="zh-CN" sz="2800" smtClean="0">
+            <a:endParaRPr lang="en-US" altLang="zh-CN" sz="2800" dirty="0" smtClean="0">
               <a:solidFill>
                 <a:schemeClr val="tx1">
                   <a:lumMod val="85000"/>
@@ -5735,7 +5961,7 @@
               </a:spcBef>
             </a:pPr>
             <a:r>
-              <a:rPr lang="zh-CN" altLang="en-US" sz="2800" smtClean="0">
+              <a:rPr lang="zh-CN" altLang="en-US" sz="2800" dirty="0" smtClean="0">
                 <a:solidFill>
                   <a:schemeClr val="tx1">
                     <a:lumMod val="85000"/>
@@ -5746,7 +5972,7 @@
               <a:t>参数二：</a:t>
             </a:r>
             <a:r>
-              <a:rPr lang="en-US" altLang="zh-CN" sz="2800">
+              <a:rPr lang="en-US" altLang="zh-CN" sz="2800" dirty="0" err="1">
                 <a:solidFill>
                   <a:schemeClr val="tx1">
                     <a:lumMod val="85000"/>
@@ -5757,7 +5983,7 @@
               <a:t>ContentValues</a:t>
             </a:r>
             <a:r>
-              <a:rPr lang="zh-CN" altLang="en-US" sz="2800">
+              <a:rPr lang="zh-CN" altLang="en-US" sz="2800" dirty="0">
                 <a:solidFill>
                   <a:schemeClr val="tx1">
                     <a:lumMod val="85000"/>
@@ -5768,7 +5994,7 @@
               <a:t>类型的键值对</a:t>
             </a:r>
             <a:r>
-              <a:rPr lang="en-US" altLang="zh-CN" sz="2800">
+              <a:rPr lang="en-US" altLang="zh-CN" sz="2800" dirty="0">
                 <a:solidFill>
                   <a:schemeClr val="tx1">
                     <a:lumMod val="85000"/>
@@ -5779,7 +6005,7 @@
               <a:t>Key-Value</a:t>
             </a:r>
             <a:r>
-              <a:rPr lang="zh-CN" altLang="en-US" sz="2800" smtClean="0">
+              <a:rPr lang="zh-CN" altLang="en-US" sz="2800" dirty="0" smtClean="0">
                 <a:solidFill>
                   <a:schemeClr val="tx1">
                     <a:lumMod val="85000"/>
@@ -5789,7 +6015,7 @@
               </a:rPr>
               <a:t>。</a:t>
             </a:r>
-            <a:endParaRPr lang="en-US" altLang="zh-CN" sz="2800" smtClean="0">
+            <a:endParaRPr lang="en-US" altLang="zh-CN" sz="2800" dirty="0" smtClean="0">
               <a:solidFill>
                 <a:schemeClr val="tx1">
                   <a:lumMod val="85000"/>
@@ -5805,7 +6031,7 @@
               </a:spcBef>
             </a:pPr>
             <a:r>
-              <a:rPr lang="zh-CN" altLang="en-US" sz="2800">
+              <a:rPr lang="zh-CN" altLang="en-US" sz="2800" dirty="0">
                 <a:solidFill>
                   <a:schemeClr val="tx1">
                     <a:lumMod val="85000"/>
@@ -5816,7 +6042,7 @@
               <a:t>参数三：更新条件（</a:t>
             </a:r>
             <a:r>
-              <a:rPr lang="en-US" altLang="zh-CN" sz="2800">
+              <a:rPr lang="en-US" altLang="zh-CN" sz="2800" dirty="0" smtClean="0">
                 <a:solidFill>
                   <a:schemeClr val="tx1">
                     <a:lumMod val="85000"/>
@@ -5827,18 +6053,40 @@
               <a:t>where</a:t>
             </a:r>
             <a:r>
-              <a:rPr lang="zh-CN" altLang="en-US" sz="2800">
-                <a:solidFill>
-                  <a:schemeClr val="tx1">
-                    <a:lumMod val="85000"/>
-                    <a:lumOff val="15000"/>
-                  </a:schemeClr>
-                </a:solidFill>
-              </a:rPr>
-              <a:t>字句）</a:t>
-            </a:r>
-            <a:r>
-              <a:rPr lang="zh-CN" altLang="en-US" sz="2800" smtClean="0">
+              <a:rPr lang="zh-CN" altLang="en-US" sz="2800" dirty="0">
+                <a:solidFill>
+                  <a:schemeClr val="tx1">
+                    <a:lumMod val="85000"/>
+                    <a:lumOff val="15000"/>
+                  </a:schemeClr>
+                </a:solidFill>
+              </a:rPr>
+              <a:t>子</a:t>
+            </a:r>
+            <a:r>
+              <a:rPr lang="zh-CN" altLang="en-US" sz="2800" dirty="0" smtClean="0">
+                <a:solidFill>
+                  <a:schemeClr val="tx1">
+                    <a:lumMod val="85000"/>
+                    <a:lumOff val="15000"/>
+                  </a:schemeClr>
+                </a:solidFill>
+              </a:rPr>
+              <a:t>句</a:t>
+            </a:r>
+            <a:r>
+              <a:rPr lang="zh-CN" altLang="en-US" sz="2800" dirty="0">
+                <a:solidFill>
+                  <a:schemeClr val="tx1">
+                    <a:lumMod val="85000"/>
+                    <a:lumOff val="15000"/>
+                  </a:schemeClr>
+                </a:solidFill>
+              </a:rPr>
+              <a:t>）</a:t>
+            </a:r>
+            <a:r>
+              <a:rPr lang="zh-CN" altLang="en-US" sz="2800" dirty="0" smtClean="0">
                 <a:solidFill>
                   <a:schemeClr val="tx1">
                     <a:lumMod val="85000"/>
@@ -5848,7 +6096,7 @@
               </a:rPr>
               <a:t>。</a:t>
             </a:r>
-            <a:endParaRPr lang="en-US" altLang="zh-CN" sz="2800" smtClean="0">
+            <a:endParaRPr lang="en-US" altLang="zh-CN" sz="2800" dirty="0" smtClean="0">
               <a:solidFill>
                 <a:schemeClr val="tx1">
                   <a:lumMod val="85000"/>
@@ -5864,26 +6112,26 @@
               </a:spcBef>
             </a:pPr>
             <a:r>
-              <a:rPr lang="zh-CN" altLang="en-US" sz="2800">
-                <a:solidFill>
-                  <a:schemeClr val="tx1">
-                    <a:lumMod val="85000"/>
-                    <a:lumOff val="15000"/>
-                  </a:schemeClr>
-                </a:solidFill>
-              </a:rPr>
-              <a:t>参数四：更新条件</a:t>
-            </a:r>
-            <a:r>
-              <a:rPr lang="zh-CN" altLang="en-US" sz="2800" smtClean="0">
-                <a:solidFill>
-                  <a:schemeClr val="tx1">
-                    <a:lumMod val="85000"/>
-                    <a:lumOff val="15000"/>
-                  </a:schemeClr>
-                </a:solidFill>
-              </a:rPr>
-              <a:t>数组。</a:t>
+              <a:rPr lang="zh-CN" altLang="en-US" sz="2800" dirty="0">
+                <a:solidFill>
+                  <a:schemeClr val="tx1">
+                    <a:lumMod val="85000"/>
+                    <a:lumOff val="15000"/>
+                  </a:schemeClr>
+                </a:solidFill>
+              </a:rPr>
+              <a:t>参数四：更新</a:t>
+            </a:r>
+            <a:r>
+              <a:rPr lang="zh-CN" altLang="en-US" sz="2800" dirty="0" smtClean="0">
+                <a:solidFill>
+                  <a:schemeClr val="tx1">
+                    <a:lumMod val="85000"/>
+                    <a:lumOff val="15000"/>
+                  </a:schemeClr>
+                </a:solidFill>
+              </a:rPr>
+              <a:t>条件参数。</a:t>
             </a:r>
             <a:endParaRPr lang="en-US" altLang="zh-CN" sz="2800" dirty="0">
               <a:solidFill>
@@ -6956,7 +7204,7 @@
               </a:spcBef>
             </a:pPr>
             <a:r>
-              <a:rPr lang="en-US" altLang="zh-CN" sz="2800" smtClean="0">
+              <a:rPr lang="en-US" altLang="zh-CN" sz="2800" dirty="0" smtClean="0">
                 <a:solidFill>
                   <a:schemeClr val="tx1">
                     <a:lumMod val="85000"/>
@@ -6967,7 +7215,7 @@
               <a:t>table : </a:t>
             </a:r>
             <a:r>
-              <a:rPr lang="zh-CN" altLang="en-US" sz="2800" smtClean="0">
+              <a:rPr lang="zh-CN" altLang="en-US" sz="2800" dirty="0" smtClean="0">
                 <a:solidFill>
                   <a:schemeClr val="tx1">
                     <a:lumMod val="85000"/>
@@ -6977,7 +7225,7 @@
               </a:rPr>
               <a:t>表名称</a:t>
             </a:r>
-            <a:endParaRPr lang="en-US" altLang="zh-CN" sz="2800" smtClean="0">
+            <a:endParaRPr lang="en-US" altLang="zh-CN" sz="2800" dirty="0" smtClean="0">
               <a:solidFill>
                 <a:schemeClr val="tx1">
                   <a:lumMod val="85000"/>
@@ -6993,7 +7241,7 @@
               </a:spcBef>
             </a:pPr>
             <a:r>
-              <a:rPr lang="en-US" altLang="zh-CN" sz="2800" smtClean="0">
+              <a:rPr lang="en-US" altLang="zh-CN" sz="2800" dirty="0" smtClean="0">
                 <a:solidFill>
                   <a:schemeClr val="tx1">
                     <a:lumMod val="85000"/>
@@ -7004,7 +7252,7 @@
               <a:t>columns : </a:t>
             </a:r>
             <a:r>
-              <a:rPr lang="zh-CN" altLang="en-US" sz="2800" smtClean="0">
+              <a:rPr lang="zh-CN" altLang="en-US" sz="2800" dirty="0" smtClean="0">
                 <a:solidFill>
                   <a:schemeClr val="tx1">
                     <a:lumMod val="85000"/>
@@ -7015,7 +7263,7 @@
               <a:t>列</a:t>
             </a:r>
             <a:r>
-              <a:rPr lang="zh-CN" altLang="en-US" sz="2800">
+              <a:rPr lang="zh-CN" altLang="en-US" sz="2800" dirty="0">
                 <a:solidFill>
                   <a:schemeClr val="tx1">
                     <a:lumMod val="85000"/>
@@ -7026,7 +7274,7 @@
               <a:t>名称</a:t>
             </a:r>
             <a:r>
-              <a:rPr lang="zh-CN" altLang="en-US" sz="2800" smtClean="0">
+              <a:rPr lang="zh-CN" altLang="en-US" sz="2800" dirty="0" smtClean="0">
                 <a:solidFill>
                   <a:schemeClr val="tx1">
                     <a:lumMod val="85000"/>
@@ -7036,7 +7284,7 @@
               </a:rPr>
               <a:t>数组</a:t>
             </a:r>
-            <a:endParaRPr lang="en-US" altLang="zh-CN" sz="2800" smtClean="0">
+            <a:endParaRPr lang="en-US" altLang="zh-CN" sz="2800" dirty="0" smtClean="0">
               <a:solidFill>
                 <a:schemeClr val="tx1">
                   <a:lumMod val="85000"/>
@@ -7052,7 +7300,7 @@
               </a:spcBef>
             </a:pPr>
             <a:r>
-              <a:rPr lang="en-US" altLang="zh-CN" sz="2800" smtClean="0">
+              <a:rPr lang="en-US" altLang="zh-CN" sz="2800" dirty="0" smtClean="0">
                 <a:solidFill>
                   <a:schemeClr val="tx1">
                     <a:lumMod val="85000"/>
@@ -7063,7 +7311,7 @@
               <a:t>selection : </a:t>
             </a:r>
             <a:r>
-              <a:rPr lang="zh-CN" altLang="en-US" sz="2800" smtClean="0">
+              <a:rPr lang="zh-CN" altLang="en-US" sz="2800" dirty="0" smtClean="0">
                 <a:solidFill>
                   <a:schemeClr val="tx1">
                     <a:lumMod val="85000"/>
@@ -7074,18 +7322,40 @@
               <a:t>条件</a:t>
             </a:r>
             <a:r>
-              <a:rPr lang="zh-CN" altLang="en-US" sz="2800">
-                <a:solidFill>
-                  <a:schemeClr val="tx1">
-                    <a:lumMod val="85000"/>
-                    <a:lumOff val="15000"/>
-                  </a:schemeClr>
-                </a:solidFill>
-              </a:rPr>
-              <a:t>字句，相当于</a:t>
-            </a:r>
-            <a:r>
-              <a:rPr lang="en-US" altLang="zh-CN" sz="2800" smtClean="0">
+              <a:rPr lang="zh-CN" altLang="en-US" sz="2800" dirty="0">
+                <a:solidFill>
+                  <a:schemeClr val="tx1">
+                    <a:lumMod val="85000"/>
+                    <a:lumOff val="15000"/>
+                  </a:schemeClr>
+                </a:solidFill>
+              </a:rPr>
+              <a:t>子</a:t>
+            </a:r>
+            <a:r>
+              <a:rPr lang="zh-CN" altLang="en-US" sz="2800" dirty="0" smtClean="0">
+                <a:solidFill>
+                  <a:schemeClr val="tx1">
+                    <a:lumMod val="85000"/>
+                    <a:lumOff val="15000"/>
+                  </a:schemeClr>
+                </a:solidFill>
+              </a:rPr>
+              <a:t>句</a:t>
+            </a:r>
+            <a:r>
+              <a:rPr lang="zh-CN" altLang="en-US" sz="2800" dirty="0">
+                <a:solidFill>
+                  <a:schemeClr val="tx1">
+                    <a:lumMod val="85000"/>
+                    <a:lumOff val="15000"/>
+                  </a:schemeClr>
+                </a:solidFill>
+              </a:rPr>
+              <a:t>，相当于</a:t>
+            </a:r>
+            <a:r>
+              <a:rPr lang="en-US" altLang="zh-CN" sz="2800" dirty="0" smtClean="0">
                 <a:solidFill>
                   <a:schemeClr val="tx1">
                     <a:lumMod val="85000"/>
@@ -7103,18 +7373,29 @@
               </a:spcBef>
             </a:pPr>
             <a:r>
-              <a:rPr lang="en-US" altLang="zh-CN" sz="2800" smtClean="0">
-                <a:solidFill>
-                  <a:schemeClr val="tx1">
-                    <a:lumMod val="85000"/>
-                    <a:lumOff val="15000"/>
-                  </a:schemeClr>
-                </a:solidFill>
-              </a:rPr>
-              <a:t>selectionArgs : </a:t>
-            </a:r>
-            <a:r>
-              <a:rPr lang="zh-CN" altLang="en-US" sz="2800" smtClean="0">
+              <a:rPr lang="en-US" altLang="zh-CN" sz="2800" dirty="0" err="1" smtClean="0">
+                <a:solidFill>
+                  <a:schemeClr val="tx1">
+                    <a:lumMod val="85000"/>
+                    <a:lumOff val="15000"/>
+                  </a:schemeClr>
+                </a:solidFill>
+              </a:rPr>
+              <a:t>selectionArgs</a:t>
+            </a:r>
+            <a:r>
+              <a:rPr lang="en-US" altLang="zh-CN" sz="2800" dirty="0" smtClean="0">
+                <a:solidFill>
+                  <a:schemeClr val="tx1">
+                    <a:lumMod val="85000"/>
+                    <a:lumOff val="15000"/>
+                  </a:schemeClr>
+                </a:solidFill>
+              </a:rPr>
+              <a:t> : </a:t>
+            </a:r>
+            <a:r>
+              <a:rPr lang="zh-CN" altLang="en-US" sz="2800" dirty="0" smtClean="0">
                 <a:solidFill>
                   <a:schemeClr val="tx1">
                     <a:lumMod val="85000"/>
@@ -7125,18 +7406,40 @@
               <a:t>条件</a:t>
             </a:r>
             <a:r>
-              <a:rPr lang="zh-CN" altLang="en-US" sz="2800">
-                <a:solidFill>
-                  <a:schemeClr val="tx1">
-                    <a:lumMod val="85000"/>
-                    <a:lumOff val="15000"/>
-                  </a:schemeClr>
-                </a:solidFill>
-              </a:rPr>
-              <a:t>字句，参数</a:t>
-            </a:r>
-            <a:r>
-              <a:rPr lang="zh-CN" altLang="en-US" sz="2800" smtClean="0">
+              <a:rPr lang="zh-CN" altLang="en-US" sz="2800" dirty="0">
+                <a:solidFill>
+                  <a:schemeClr val="tx1">
+                    <a:lumMod val="85000"/>
+                    <a:lumOff val="15000"/>
+                  </a:schemeClr>
+                </a:solidFill>
+              </a:rPr>
+              <a:t>子</a:t>
+            </a:r>
+            <a:r>
+              <a:rPr lang="zh-CN" altLang="en-US" sz="2800" dirty="0" smtClean="0">
+                <a:solidFill>
+                  <a:schemeClr val="tx1">
+                    <a:lumMod val="85000"/>
+                    <a:lumOff val="15000"/>
+                  </a:schemeClr>
+                </a:solidFill>
+              </a:rPr>
+              <a:t>句</a:t>
+            </a:r>
+            <a:r>
+              <a:rPr lang="zh-CN" altLang="en-US" sz="2800" dirty="0">
+                <a:solidFill>
+                  <a:schemeClr val="tx1">
+                    <a:lumMod val="85000"/>
+                    <a:lumOff val="15000"/>
+                  </a:schemeClr>
+                </a:solidFill>
+              </a:rPr>
+              <a:t>，参数</a:t>
+            </a:r>
+            <a:r>
+              <a:rPr lang="zh-CN" altLang="en-US" sz="2800" dirty="0" smtClean="0">
                 <a:solidFill>
                   <a:schemeClr val="tx1">
                     <a:lumMod val="85000"/>
@@ -7322,18 +7625,29 @@
               </a:spcBef>
             </a:pPr>
             <a:r>
-              <a:rPr lang="en-US" altLang="zh-CN" sz="2800" smtClean="0">
-                <a:solidFill>
-                  <a:schemeClr val="tx1">
-                    <a:lumMod val="85000"/>
-                    <a:lumOff val="15000"/>
-                  </a:schemeClr>
-                </a:solidFill>
-              </a:rPr>
-              <a:t>groupBy : </a:t>
-            </a:r>
-            <a:r>
-              <a:rPr lang="zh-CN" altLang="en-US" sz="2800" smtClean="0">
+              <a:rPr lang="en-US" altLang="zh-CN" sz="2800" dirty="0" err="1" smtClean="0">
+                <a:solidFill>
+                  <a:schemeClr val="tx1">
+                    <a:lumMod val="85000"/>
+                    <a:lumOff val="15000"/>
+                  </a:schemeClr>
+                </a:solidFill>
+              </a:rPr>
+              <a:t>groupBy</a:t>
+            </a:r>
+            <a:r>
+              <a:rPr lang="en-US" altLang="zh-CN" sz="2800" dirty="0" smtClean="0">
+                <a:solidFill>
+                  <a:schemeClr val="tx1">
+                    <a:lumMod val="85000"/>
+                    <a:lumOff val="15000"/>
+                  </a:schemeClr>
+                </a:solidFill>
+              </a:rPr>
+              <a:t> : </a:t>
+            </a:r>
+            <a:r>
+              <a:rPr lang="zh-CN" altLang="en-US" sz="2800" dirty="0" smtClean="0">
                 <a:solidFill>
                   <a:schemeClr val="tx1">
                     <a:lumMod val="85000"/>
@@ -7343,7 +7657,7 @@
               </a:rPr>
               <a:t>分组列</a:t>
             </a:r>
-            <a:endParaRPr lang="en-US" altLang="zh-CN" sz="2800" smtClean="0">
+            <a:endParaRPr lang="en-US" altLang="zh-CN" sz="2800" dirty="0" smtClean="0">
               <a:solidFill>
                 <a:schemeClr val="tx1">
                   <a:lumMod val="85000"/>
@@ -7359,7 +7673,7 @@
               </a:spcBef>
             </a:pPr>
             <a:r>
-              <a:rPr lang="en-US" altLang="zh-CN" sz="2800" smtClean="0">
+              <a:rPr lang="en-US" altLang="zh-CN" sz="2800" dirty="0" smtClean="0">
                 <a:solidFill>
                   <a:schemeClr val="tx1">
                     <a:lumMod val="85000"/>
@@ -7370,7 +7684,7 @@
               <a:t>having : </a:t>
             </a:r>
             <a:r>
-              <a:rPr lang="zh-CN" altLang="en-US" sz="2800" smtClean="0">
+              <a:rPr lang="zh-CN" altLang="en-US" sz="2800" dirty="0" smtClean="0">
                 <a:solidFill>
                   <a:schemeClr val="tx1">
                     <a:lumMod val="85000"/>
@@ -7380,7 +7694,7 @@
               </a:rPr>
               <a:t>分组条件</a:t>
             </a:r>
-            <a:endParaRPr lang="en-US" altLang="zh-CN" sz="2800" smtClean="0">
+            <a:endParaRPr lang="en-US" altLang="zh-CN" sz="2800" dirty="0" smtClean="0">
               <a:solidFill>
                 <a:schemeClr val="tx1">
                   <a:lumMod val="85000"/>
@@ -7396,18 +7710,29 @@
               </a:spcBef>
             </a:pPr>
             <a:r>
-              <a:rPr lang="en-US" altLang="zh-CN" sz="2800" smtClean="0">
-                <a:solidFill>
-                  <a:schemeClr val="tx1">
-                    <a:lumMod val="85000"/>
-                    <a:lumOff val="15000"/>
-                  </a:schemeClr>
-                </a:solidFill>
-              </a:rPr>
-              <a:t>orderBy : </a:t>
-            </a:r>
-            <a:r>
-              <a:rPr lang="zh-CN" altLang="en-US" sz="2800" smtClean="0">
+              <a:rPr lang="en-US" altLang="zh-CN" sz="2800" dirty="0" err="1" smtClean="0">
+                <a:solidFill>
+                  <a:schemeClr val="tx1">
+                    <a:lumMod val="85000"/>
+                    <a:lumOff val="15000"/>
+                  </a:schemeClr>
+                </a:solidFill>
+              </a:rPr>
+              <a:t>orderBy</a:t>
+            </a:r>
+            <a:r>
+              <a:rPr lang="en-US" altLang="zh-CN" sz="2800" dirty="0" smtClean="0">
+                <a:solidFill>
+                  <a:schemeClr val="tx1">
+                    <a:lumMod val="85000"/>
+                    <a:lumOff val="15000"/>
+                  </a:schemeClr>
+                </a:solidFill>
+              </a:rPr>
+              <a:t> : </a:t>
+            </a:r>
+            <a:r>
+              <a:rPr lang="zh-CN" altLang="en-US" sz="2800" dirty="0" smtClean="0">
                 <a:solidFill>
                   <a:schemeClr val="tx1">
                     <a:lumMod val="85000"/>
@@ -7418,7 +7743,7 @@
               <a:t>排序</a:t>
             </a:r>
             <a:r>
-              <a:rPr lang="zh-CN" altLang="en-US" sz="2800">
+              <a:rPr lang="zh-CN" altLang="en-US" sz="2800" dirty="0">
                 <a:solidFill>
                   <a:schemeClr val="tx1">
                     <a:lumMod val="85000"/>
@@ -7428,7 +7753,7 @@
               </a:rPr>
               <a:t>列</a:t>
             </a:r>
-            <a:endParaRPr lang="en-US" altLang="zh-CN" sz="2800" smtClean="0">
+            <a:endParaRPr lang="en-US" altLang="zh-CN" sz="2800" dirty="0" smtClean="0">
               <a:solidFill>
                 <a:schemeClr val="tx1">
                   <a:lumMod val="85000"/>
@@ -7444,7 +7769,7 @@
               </a:spcBef>
             </a:pPr>
             <a:r>
-              <a:rPr lang="en-US" altLang="zh-CN" sz="2800" smtClean="0">
+              <a:rPr lang="en-US" altLang="zh-CN" sz="2800" dirty="0" smtClean="0">
                 <a:solidFill>
                   <a:schemeClr val="tx1">
                     <a:lumMod val="85000"/>
@@ -7455,7 +7780,7 @@
               <a:t>limit : </a:t>
             </a:r>
             <a:r>
-              <a:rPr lang="zh-CN" altLang="en-US" sz="2800" smtClean="0">
+              <a:rPr lang="zh-CN" altLang="en-US" sz="2800" dirty="0" smtClean="0">
                 <a:solidFill>
                   <a:schemeClr val="tx1">
                     <a:lumMod val="85000"/>
@@ -7466,7 +7791,7 @@
               <a:t>分</a:t>
             </a:r>
             <a:r>
-              <a:rPr lang="zh-CN" altLang="en-US" sz="2800">
+              <a:rPr lang="zh-CN" altLang="en-US" sz="2800" dirty="0">
                 <a:solidFill>
                   <a:schemeClr val="tx1">
                     <a:lumMod val="85000"/>
@@ -7642,14 +7967,14 @@
                 <a:gridCol w="5544617">
                   <a:extLst>
                     <a:ext uri="{9D8B030D-6E8A-4147-A177-3AD203B41FA5}">
-                      <a16:colId xmlns:a16="http://schemas.microsoft.com/office/drawing/2014/main" val="967325757"/>
+                      <a16:colId xmlns="" xmlns:a16="http://schemas.microsoft.com/office/drawing/2014/main" val="967325757"/>
                     </a:ext>
                   </a:extLst>
                 </a:gridCol>
                 <a:gridCol w="4010234">
                   <a:extLst>
                     <a:ext uri="{9D8B030D-6E8A-4147-A177-3AD203B41FA5}">
-                      <a16:colId xmlns:a16="http://schemas.microsoft.com/office/drawing/2014/main" val="18751488"/>
+                      <a16:colId xmlns="" xmlns:a16="http://schemas.microsoft.com/office/drawing/2014/main" val="18751488"/>
                     </a:ext>
                   </a:extLst>
                 </a:gridCol>
@@ -7662,7 +7987,7 @@
                     <a:p>
                       <a:pPr algn="ctr"/>
                       <a:r>
-                        <a:rPr lang="zh-CN" altLang="en-US" b="1">
+                        <a:rPr lang="zh-CN" altLang="en-US" b="1" dirty="0">
                           <a:effectLst/>
                           <a:latin typeface="微软雅黑" panose="020B0503020204020204" pitchFamily="34" charset="-122"/>
                           <a:ea typeface="微软雅黑" panose="020B0503020204020204" pitchFamily="34" charset="-122"/>
@@ -7801,7 +8126,7 @@
                 </a:tc>
                 <a:extLst>
                   <a:ext uri="{0D108BD9-81ED-4DB2-BD59-A6C34878D82A}">
-                    <a16:rowId xmlns:a16="http://schemas.microsoft.com/office/drawing/2014/main" val="1526201701"/>
+                    <a16:rowId xmlns="" xmlns:a16="http://schemas.microsoft.com/office/drawing/2014/main" val="1526201701"/>
                   </a:ext>
                 </a:extLst>
               </a:tr>
@@ -7952,7 +8277,7 @@
                 </a:tc>
                 <a:extLst>
                   <a:ext uri="{0D108BD9-81ED-4DB2-BD59-A6C34878D82A}">
-                    <a16:rowId xmlns:a16="http://schemas.microsoft.com/office/drawing/2014/main" val="1399469765"/>
+                    <a16:rowId xmlns="" xmlns:a16="http://schemas.microsoft.com/office/drawing/2014/main" val="1399469765"/>
                   </a:ext>
                 </a:extLst>
               </a:tr>
@@ -8103,7 +8428,7 @@
                 </a:tc>
                 <a:extLst>
                   <a:ext uri="{0D108BD9-81ED-4DB2-BD59-A6C34878D82A}">
-                    <a16:rowId xmlns:a16="http://schemas.microsoft.com/office/drawing/2014/main" val="2709812896"/>
+                    <a16:rowId xmlns="" xmlns:a16="http://schemas.microsoft.com/office/drawing/2014/main" val="2709812896"/>
                   </a:ext>
                 </a:extLst>
               </a:tr>
@@ -8254,7 +8579,7 @@
                 </a:tc>
                 <a:extLst>
                   <a:ext uri="{0D108BD9-81ED-4DB2-BD59-A6C34878D82A}">
-                    <a16:rowId xmlns:a16="http://schemas.microsoft.com/office/drawing/2014/main" val="3230953036"/>
+                    <a16:rowId xmlns="" xmlns:a16="http://schemas.microsoft.com/office/drawing/2014/main" val="3230953036"/>
                   </a:ext>
                 </a:extLst>
               </a:tr>
@@ -8405,7 +8730,7 @@
                 </a:tc>
                 <a:extLst>
                   <a:ext uri="{0D108BD9-81ED-4DB2-BD59-A6C34878D82A}">
-                    <a16:rowId xmlns:a16="http://schemas.microsoft.com/office/drawing/2014/main" val="1702148337"/>
+                    <a16:rowId xmlns="" xmlns:a16="http://schemas.microsoft.com/office/drawing/2014/main" val="1702148337"/>
                   </a:ext>
                 </a:extLst>
               </a:tr>
@@ -8556,7 +8881,7 @@
                 </a:tc>
                 <a:extLst>
                   <a:ext uri="{0D108BD9-81ED-4DB2-BD59-A6C34878D82A}">
-                    <a16:rowId xmlns:a16="http://schemas.microsoft.com/office/drawing/2014/main" val="3518956725"/>
+                    <a16:rowId xmlns="" xmlns:a16="http://schemas.microsoft.com/office/drawing/2014/main" val="3518956725"/>
                   </a:ext>
                 </a:extLst>
               </a:tr>
@@ -8707,7 +9032,7 @@
                 </a:tc>
                 <a:extLst>
                   <a:ext uri="{0D108BD9-81ED-4DB2-BD59-A6C34878D82A}">
-                    <a16:rowId xmlns:a16="http://schemas.microsoft.com/office/drawing/2014/main" val="3878681073"/>
+                    <a16:rowId xmlns="" xmlns:a16="http://schemas.microsoft.com/office/drawing/2014/main" val="3878681073"/>
                   </a:ext>
                 </a:extLst>
               </a:tr>
@@ -8858,7 +9183,7 @@
                 </a:tc>
                 <a:extLst>
                   <a:ext uri="{0D108BD9-81ED-4DB2-BD59-A6C34878D82A}">
-                    <a16:rowId xmlns:a16="http://schemas.microsoft.com/office/drawing/2014/main" val="3211784913"/>
+                    <a16:rowId xmlns="" xmlns:a16="http://schemas.microsoft.com/office/drawing/2014/main" val="3211784913"/>
                   </a:ext>
                 </a:extLst>
               </a:tr>
@@ -9009,7 +9334,7 @@
                 </a:tc>
                 <a:extLst>
                   <a:ext uri="{0D108BD9-81ED-4DB2-BD59-A6C34878D82A}">
-                    <a16:rowId xmlns:a16="http://schemas.microsoft.com/office/drawing/2014/main" val="2838614654"/>
+                    <a16:rowId xmlns="" xmlns:a16="http://schemas.microsoft.com/office/drawing/2014/main" val="2838614654"/>
                   </a:ext>
                 </a:extLst>
               </a:tr>
@@ -9160,7 +9485,7 @@
                 </a:tc>
                 <a:extLst>
                   <a:ext uri="{0D108BD9-81ED-4DB2-BD59-A6C34878D82A}">
-                    <a16:rowId xmlns:a16="http://schemas.microsoft.com/office/drawing/2014/main" val="1721290701"/>
+                    <a16:rowId xmlns="" xmlns:a16="http://schemas.microsoft.com/office/drawing/2014/main" val="1721290701"/>
                   </a:ext>
                 </a:extLst>
               </a:tr>
@@ -9172,12 +9497,52 @@
                     <a:p>
                       <a:pPr marL="180000" algn="l"/>
                       <a:r>
-                        <a:rPr lang="en-US">
+                        <a:rPr lang="en-US" dirty="0" err="1">
                           <a:effectLst/>
                           <a:latin typeface="微软雅黑" panose="020B0503020204020204" pitchFamily="34" charset="-122"/>
                           <a:ea typeface="微软雅黑" panose="020B0503020204020204" pitchFamily="34" charset="-122"/>
                         </a:rPr>
-                        <a:t>getInt(int columnIndex)</a:t>
+                        <a:t>getInt</a:t>
+                      </a:r>
+                      <a:r>
+                        <a:rPr lang="en-US" dirty="0">
+                          <a:effectLst/>
+                          <a:latin typeface="微软雅黑" panose="020B0503020204020204" pitchFamily="34" charset="-122"/>
+                          <a:ea typeface="微软雅黑" panose="020B0503020204020204" pitchFamily="34" charset="-122"/>
+                        </a:rPr>
+                        <a:t>(</a:t>
+                      </a:r>
+                      <a:r>
+                        <a:rPr lang="en-US" dirty="0" err="1">
+                          <a:effectLst/>
+                          <a:latin typeface="微软雅黑" panose="020B0503020204020204" pitchFamily="34" charset="-122"/>
+                          <a:ea typeface="微软雅黑" panose="020B0503020204020204" pitchFamily="34" charset="-122"/>
+                        </a:rPr>
+                        <a:t>int</a:t>
+                      </a:r>
+                      <a:r>
+                        <a:rPr lang="en-US" dirty="0">
+                          <a:effectLst/>
+                          <a:latin typeface="微软雅黑" panose="020B0503020204020204" pitchFamily="34" charset="-122"/>
+                          <a:ea typeface="微软雅黑" panose="020B0503020204020204" pitchFamily="34" charset="-122"/>
+                        </a:rPr>
+                        <a:t> </a:t>
+                      </a:r>
+                      <a:r>
+                        <a:rPr lang="en-US" dirty="0" err="1">
+                          <a:effectLst/>
+                          <a:latin typeface="微软雅黑" panose="020B0503020204020204" pitchFamily="34" charset="-122"/>
+                          <a:ea typeface="微软雅黑" panose="020B0503020204020204" pitchFamily="34" charset="-122"/>
+                        </a:rPr>
+                        <a:t>columnIndex</a:t>
+                      </a:r>
+                      <a:r>
+                        <a:rPr lang="en-US" dirty="0">
+                          <a:effectLst/>
+                          <a:latin typeface="微软雅黑" panose="020B0503020204020204" pitchFamily="34" charset="-122"/>
+                          <a:ea typeface="微软雅黑" panose="020B0503020204020204" pitchFamily="34" charset="-122"/>
+                        </a:rPr>
+                        <a:t>)</a:t>
                       </a:r>
                     </a:p>
                   </a:txBody>
@@ -9327,7 +9692,7 @@
                 </a:tc>
                 <a:extLst>
                   <a:ext uri="{0D108BD9-81ED-4DB2-BD59-A6C34878D82A}">
-                    <a16:rowId xmlns:a16="http://schemas.microsoft.com/office/drawing/2014/main" val="1467372124"/>
+                    <a16:rowId xmlns="" xmlns:a16="http://schemas.microsoft.com/office/drawing/2014/main" val="1467372124"/>
                   </a:ext>
                 </a:extLst>
               </a:tr>
@@ -9494,7 +9859,7 @@
                 </a:tc>
                 <a:extLst>
                   <a:ext uri="{0D108BD9-81ED-4DB2-BD59-A6C34878D82A}">
-                    <a16:rowId xmlns:a16="http://schemas.microsoft.com/office/drawing/2014/main" val="3580118957"/>
+                    <a16:rowId xmlns="" xmlns:a16="http://schemas.microsoft.com/office/drawing/2014/main" val="3580118957"/>
                   </a:ext>
                 </a:extLst>
               </a:tr>
@@ -10478,6 +10843,39 @@
           <a:p>
             <a:pPr lvl="1"/>
             <a:r>
+              <a:rPr lang="zh-CN" altLang="en-US" sz="3200" dirty="0" smtClean="0">
+                <a:solidFill>
+                  <a:schemeClr val="tx1">
+                    <a:lumMod val="85000"/>
+                    <a:lumOff val="15000"/>
+                  </a:schemeClr>
+                </a:solidFill>
+              </a:rPr>
+              <a:t>使用</a:t>
+            </a:r>
+            <a:r>
+              <a:rPr lang="en-US" altLang="zh-CN" sz="3200" dirty="0" err="1" smtClean="0">
+                <a:solidFill>
+                  <a:schemeClr val="tx1">
+                    <a:lumMod val="85000"/>
+                    <a:lumOff val="15000"/>
+                  </a:schemeClr>
+                </a:solidFill>
+              </a:rPr>
+              <a:t>execSQL</a:t>
+            </a:r>
+            <a:r>
+              <a:rPr lang="zh-CN" altLang="en-US" sz="3200" dirty="0" smtClean="0">
+                <a:solidFill>
+                  <a:schemeClr val="tx1">
+                    <a:lumMod val="85000"/>
+                    <a:lumOff val="15000"/>
+                  </a:schemeClr>
+                </a:solidFill>
+              </a:rPr>
+              <a:t>方法</a:t>
+            </a:r>
+            <a:r>
               <a:rPr lang="zh-CN" altLang="en-US" sz="3200" dirty="0">
                 <a:solidFill>
                   <a:schemeClr val="tx1">
@@ -10486,29 +10884,7 @@
                   </a:schemeClr>
                 </a:solidFill>
               </a:rPr>
-              <a:t>执行</a:t>
-            </a:r>
-            <a:r>
-              <a:rPr lang="en-US" altLang="zh-CN" sz="3200" dirty="0">
-                <a:solidFill>
-                  <a:schemeClr val="tx1">
-                    <a:lumMod val="85000"/>
-                    <a:lumOff val="15000"/>
-                  </a:schemeClr>
-                </a:solidFill>
-              </a:rPr>
-              <a:t>SQL</a:t>
-            </a:r>
-            <a:r>
-              <a:rPr lang="zh-CN" altLang="en-US" sz="3200" dirty="0">
-                <a:solidFill>
-                  <a:schemeClr val="tx1">
-                    <a:lumMod val="85000"/>
-                    <a:lumOff val="15000"/>
-                  </a:schemeClr>
-                </a:solidFill>
-              </a:rPr>
-              <a:t>语句方法的优缺点：</a:t>
+              <a:t>的优缺点：</a:t>
             </a:r>
             <a:endParaRPr lang="en-US" altLang="zh-CN" sz="3200" dirty="0">
               <a:solidFill>
@@ -10555,21 +10931,10 @@
                   </a:schemeClr>
                 </a:solidFill>
               </a:rPr>
-              <a:t>语言的</a:t>
-            </a:r>
-            <a:r>
-              <a:rPr lang="zh-CN" altLang="en-US" sz="2800">
-                <a:solidFill>
-                  <a:schemeClr val="tx1">
-                    <a:lumMod val="85000"/>
-                    <a:lumOff val="15000"/>
-                  </a:schemeClr>
-                </a:solidFill>
-              </a:rPr>
-              <a:t>人</a:t>
-            </a:r>
-            <a:r>
-              <a:rPr lang="zh-CN" altLang="en-US" sz="2800" smtClean="0">
+              <a:t>语言的人</a:t>
+            </a:r>
+            <a:r>
+              <a:rPr lang="zh-CN" altLang="en-US" sz="2800" dirty="0" smtClean="0">
                 <a:solidFill>
                   <a:schemeClr val="tx1">
                     <a:lumMod val="85000"/>
@@ -10602,21 +10967,10 @@
                   </a:schemeClr>
                 </a:solidFill>
               </a:rPr>
-              <a:t>可以进行所有数据库操作，不可进行</a:t>
-            </a:r>
-            <a:r>
-              <a:rPr lang="zh-CN" altLang="en-US" sz="2800">
-                <a:solidFill>
-                  <a:schemeClr val="tx1">
-                    <a:lumMod val="85000"/>
-                    <a:lumOff val="15000"/>
-                  </a:schemeClr>
-                </a:solidFill>
-              </a:rPr>
-              <a:t>查询</a:t>
-            </a:r>
-            <a:r>
-              <a:rPr lang="zh-CN" altLang="en-US" sz="2800" smtClean="0">
+              <a:t>可以进行所有数据库操作，不可进行查询</a:t>
+            </a:r>
+            <a:r>
+              <a:rPr lang="zh-CN" altLang="en-US" sz="2800" dirty="0" smtClean="0">
                 <a:solidFill>
                   <a:schemeClr val="tx1">
                     <a:lumMod val="85000"/>
@@ -10660,21 +11014,10 @@
                   </a:schemeClr>
                 </a:solidFill>
               </a:rPr>
-              <a:t>没有返回值，不能进行结果</a:t>
-            </a:r>
-            <a:r>
-              <a:rPr lang="zh-CN" altLang="en-US" sz="2800">
-                <a:solidFill>
-                  <a:schemeClr val="tx1">
-                    <a:lumMod val="85000"/>
-                    <a:lumOff val="15000"/>
-                  </a:schemeClr>
-                </a:solidFill>
-              </a:rPr>
-              <a:t>的</a:t>
-            </a:r>
-            <a:r>
-              <a:rPr lang="zh-CN" altLang="en-US" sz="2800" smtClean="0">
+              <a:t>没有返回值，不能进行结果的</a:t>
+            </a:r>
+            <a:r>
+              <a:rPr lang="zh-CN" altLang="en-US" sz="2800" dirty="0" smtClean="0">
                 <a:solidFill>
                   <a:schemeClr val="tx1">
                     <a:lumMod val="85000"/>
@@ -10751,21 +11094,10 @@
                   </a:schemeClr>
                 </a:solidFill>
               </a:rPr>
-              <a:t>的</a:t>
-            </a:r>
-            <a:r>
-              <a:rPr lang="zh-CN" altLang="en-US" sz="2800">
-                <a:solidFill>
-                  <a:schemeClr val="tx1">
-                    <a:lumMod val="85000"/>
-                    <a:lumOff val="15000"/>
-                  </a:schemeClr>
-                </a:solidFill>
-              </a:rPr>
-              <a:t>人</a:t>
-            </a:r>
-            <a:r>
-              <a:rPr lang="zh-CN" altLang="en-US" sz="2800" smtClean="0">
+              <a:t>的人</a:t>
+            </a:r>
+            <a:r>
+              <a:rPr lang="zh-CN" altLang="en-US" sz="2800" dirty="0" smtClean="0">
                 <a:solidFill>
                   <a:schemeClr val="tx1">
                     <a:lumMod val="85000"/>
@@ -10798,21 +11130,10 @@
                   </a:schemeClr>
                 </a:solidFill>
               </a:rPr>
-              <a:t>可以进行基本所有操作，除了创建</a:t>
-            </a:r>
-            <a:r>
-              <a:rPr lang="zh-CN" altLang="en-US" sz="2800">
-                <a:solidFill>
-                  <a:schemeClr val="tx1">
-                    <a:lumMod val="85000"/>
-                    <a:lumOff val="15000"/>
-                  </a:schemeClr>
-                </a:solidFill>
-              </a:rPr>
-              <a:t>表</a:t>
-            </a:r>
-            <a:r>
-              <a:rPr lang="zh-CN" altLang="en-US" sz="2800" smtClean="0">
+              <a:t>可以进行基本所有操作，除了创建表</a:t>
+            </a:r>
+            <a:r>
+              <a:rPr lang="zh-CN" altLang="en-US" sz="2800" dirty="0" smtClean="0">
                 <a:solidFill>
                   <a:schemeClr val="tx1">
                     <a:lumMod val="85000"/>
@@ -10845,21 +11166,10 @@
                   </a:schemeClr>
                 </a:solidFill>
               </a:rPr>
-              <a:t>可以通过返回值得到操作</a:t>
-            </a:r>
-            <a:r>
-              <a:rPr lang="zh-CN" altLang="en-US" sz="2800">
-                <a:solidFill>
-                  <a:schemeClr val="tx1">
-                    <a:lumMod val="85000"/>
-                    <a:lumOff val="15000"/>
-                  </a:schemeClr>
-                </a:solidFill>
-              </a:rPr>
-              <a:t>的</a:t>
-            </a:r>
-            <a:r>
-              <a:rPr lang="zh-CN" altLang="en-US" sz="2800" smtClean="0">
+              <a:t>可以通过返回值得到操作的</a:t>
+            </a:r>
+            <a:r>
+              <a:rPr lang="zh-CN" altLang="en-US" sz="2800" dirty="0" smtClean="0">
                 <a:solidFill>
                   <a:schemeClr val="tx1">
                     <a:lumMod val="85000"/>
@@ -15460,21 +15770,10 @@
                   </a:schemeClr>
                 </a:solidFill>
               </a:rPr>
-              <a:t>中判断表是否存在的话</a:t>
-            </a:r>
-            <a:r>
-              <a:rPr lang="zh-CN" altLang="en-US" sz="3200">
-                <a:solidFill>
-                  <a:schemeClr val="tx1">
-                    <a:lumMod val="85000"/>
-                    <a:lumOff val="15000"/>
-                  </a:schemeClr>
-                </a:solidFill>
-              </a:rPr>
-              <a:t>使用</a:t>
-            </a:r>
-            <a:r>
-              <a:rPr lang="en-US" altLang="zh-CN" sz="3200" smtClean="0">
+              <a:t>中判断表是否存在的话使用</a:t>
+            </a:r>
+            <a:r>
+              <a:rPr lang="en-US" altLang="zh-CN" sz="3200" dirty="0" smtClean="0">
                 <a:solidFill>
                   <a:schemeClr val="tx1">
                     <a:lumMod val="85000"/>
@@ -15560,83 +15859,72 @@
                   <a:srgbClr val="C00000"/>
                 </a:solidFill>
               </a:rPr>
-              <a:t>数据库</a:t>
-            </a:r>
-            <a:r>
-              <a:rPr lang="zh-CN" altLang="en-US" sz="3200">
+              <a:t>数据库的</a:t>
+            </a:r>
+            <a:r>
+              <a:rPr lang="zh-CN" altLang="en-US" sz="3200" dirty="0" smtClean="0">
                 <a:solidFill>
                   <a:srgbClr val="C00000"/>
                 </a:solidFill>
               </a:rPr>
-              <a:t>的</a:t>
-            </a:r>
-            <a:r>
-              <a:rPr lang="zh-CN" altLang="en-US" sz="3200" smtClean="0">
+              <a:t>创建</a:t>
+            </a:r>
+            <a:r>
+              <a:rPr lang="zh-CN" altLang="en-US" sz="3200" dirty="0">
+                <a:solidFill>
+                  <a:schemeClr val="tx1">
+                    <a:lumMod val="85000"/>
+                    <a:lumOff val="15000"/>
+                  </a:schemeClr>
+                </a:solidFill>
+              </a:rPr>
+              <a:t>、</a:t>
+            </a:r>
+            <a:r>
+              <a:rPr lang="zh-CN" altLang="en-US" sz="3200" dirty="0" smtClean="0">
                 <a:solidFill>
                   <a:srgbClr val="C00000"/>
                 </a:solidFill>
               </a:rPr>
-              <a:t>创建</a:t>
-            </a:r>
-            <a:r>
-              <a:rPr lang="zh-CN" altLang="en-US" sz="3200">
-                <a:solidFill>
-                  <a:schemeClr val="tx1">
-                    <a:lumMod val="85000"/>
-                    <a:lumOff val="15000"/>
-                  </a:schemeClr>
-                </a:solidFill>
-              </a:rPr>
-              <a:t>、</a:t>
-            </a:r>
-            <a:r>
-              <a:rPr lang="zh-CN" altLang="en-US" sz="3200" smtClean="0">
+              <a:t>版本</a:t>
+            </a:r>
+            <a:r>
+              <a:rPr lang="zh-CN" altLang="en-US" sz="3200" dirty="0">
                 <a:solidFill>
                   <a:srgbClr val="C00000"/>
                 </a:solidFill>
               </a:rPr>
-              <a:t>版本</a:t>
+              <a:t>更新</a:t>
             </a:r>
             <a:r>
               <a:rPr lang="zh-CN" altLang="en-US" sz="3200" dirty="0">
                 <a:solidFill>
+                  <a:schemeClr val="tx1">
+                    <a:lumMod val="85000"/>
+                    <a:lumOff val="15000"/>
+                  </a:schemeClr>
+                </a:solidFill>
+              </a:rPr>
+              <a:t>，一般情况通过创建它的子类并扩展</a:t>
+            </a:r>
+            <a:r>
+              <a:rPr lang="en-US" altLang="zh-CN" sz="3200" dirty="0" err="1" smtClean="0">
+                <a:solidFill>
                   <a:srgbClr val="C00000"/>
                 </a:solidFill>
               </a:rPr>
-              <a:t>更新</a:t>
-            </a:r>
-            <a:r>
-              <a:rPr lang="zh-CN" altLang="en-US" sz="3200" dirty="0">
-                <a:solidFill>
-                  <a:schemeClr val="tx1">
-                    <a:lumMod val="85000"/>
-                    <a:lumOff val="15000"/>
-                  </a:schemeClr>
-                </a:solidFill>
-              </a:rPr>
-              <a:t>，一般情况通过创建它的子类并</a:t>
-            </a:r>
-            <a:r>
-              <a:rPr lang="zh-CN" altLang="en-US" sz="3200">
-                <a:solidFill>
-                  <a:schemeClr val="tx1">
-                    <a:lumMod val="85000"/>
-                    <a:lumOff val="15000"/>
-                  </a:schemeClr>
-                </a:solidFill>
-              </a:rPr>
-              <a:t>扩展</a:t>
-            </a:r>
-            <a:r>
-              <a:rPr lang="en-US" altLang="zh-CN" sz="3200" smtClean="0">
+              <a:t>onCreate</a:t>
+            </a:r>
+            <a:r>
+              <a:rPr lang="en-US" altLang="zh-CN" sz="3200" dirty="0" smtClean="0">
                 <a:solidFill>
                   <a:srgbClr val="C00000"/>
                 </a:solidFill>
               </a:rPr>
-              <a:t>onCreate()</a:t>
-            </a:r>
-            <a:r>
-              <a:rPr lang="zh-CN" altLang="en-US" sz="3200" smtClean="0">
+              <a:t>()</a:t>
+            </a:r>
+            <a:r>
+              <a:rPr lang="zh-CN" altLang="en-US" sz="3200" dirty="0" smtClean="0">
                 <a:solidFill>
                   <a:schemeClr val="tx1">
                     <a:lumMod val="85000"/>
@@ -15647,15 +15935,23 @@
               <a:t>和</a:t>
             </a:r>
             <a:r>
-              <a:rPr lang="en-US" altLang="zh-CN" sz="3200" smtClean="0">
+              <a:rPr lang="en-US" altLang="zh-CN" sz="3200" dirty="0" err="1" smtClean="0">
                 <a:solidFill>
                   <a:srgbClr val="C00000"/>
                 </a:solidFill>
               </a:rPr>
-              <a:t>onUpgrade()</a:t>
-            </a:r>
-            <a:r>
-              <a:rPr lang="zh-CN" altLang="en-US" sz="3200" smtClean="0">
+              <a:t>onUpgrade</a:t>
+            </a:r>
+            <a:r>
+              <a:rPr lang="en-US" altLang="zh-CN" sz="3200" dirty="0" smtClean="0">
+                <a:solidFill>
+                  <a:srgbClr val="C00000"/>
+                </a:solidFill>
+              </a:rPr>
+              <a:t>()</a:t>
+            </a:r>
+            <a:r>
+              <a:rPr lang="zh-CN" altLang="en-US" sz="3200" dirty="0" smtClean="0">
                 <a:solidFill>
                   <a:schemeClr val="tx1">
                     <a:lumMod val="85000"/>
@@ -19724,21 +20020,10 @@
                   </a:schemeClr>
                 </a:solidFill>
               </a:rPr>
-              <a:t>的内存就够</a:t>
-            </a:r>
-            <a:r>
-              <a:rPr lang="zh-CN" altLang="en-US">
-                <a:solidFill>
-                  <a:schemeClr val="tx1">
-                    <a:lumMod val="85000"/>
-                    <a:lumOff val="15000"/>
-                  </a:schemeClr>
-                </a:solidFill>
-              </a:rPr>
-              <a:t>了</a:t>
-            </a:r>
-            <a:r>
-              <a:rPr lang="zh-CN" altLang="en-US" smtClean="0">
+              <a:t>的内存就够了</a:t>
+            </a:r>
+            <a:r>
+              <a:rPr lang="zh-CN" altLang="en-US" dirty="0" smtClean="0">
                 <a:solidFill>
                   <a:schemeClr val="tx1">
                     <a:lumMod val="85000"/>
@@ -20295,7 +20580,7 @@
               <a:t>platform-tools</a:t>
             </a:r>
             <a:r>
-              <a:rPr lang="zh-CN" altLang="en-US" sz="3200">
+              <a:rPr lang="zh-CN" altLang="en-US" sz="3200" dirty="0">
                 <a:solidFill>
                   <a:schemeClr val="tx1">
                     <a:lumMod val="85000"/>
@@ -20306,7 +20591,7 @@
               <a:t>下</a:t>
             </a:r>
             <a:r>
-              <a:rPr lang="en-US" altLang="zh-CN" sz="3200" smtClean="0">
+              <a:rPr lang="en-US" altLang="zh-CN" sz="3200" dirty="0" smtClean="0">
                 <a:solidFill>
                   <a:schemeClr val="tx1">
                     <a:lumMod val="85000"/>
@@ -20317,7 +20602,7 @@
               <a:t>sqlite3.exe</a:t>
             </a:r>
             <a:r>
-              <a:rPr lang="zh-CN" altLang="en-US" sz="3200" smtClean="0">
+              <a:rPr lang="zh-CN" altLang="en-US" sz="3200" dirty="0" smtClean="0">
                 <a:solidFill>
                   <a:schemeClr val="tx1">
                     <a:lumMod val="85000"/>
@@ -20350,7 +20635,7 @@
               <a:t>Sqlite</a:t>
             </a:r>
             <a:r>
-              <a:rPr lang="en-US" altLang="zh-CN" sz="3200">
+              <a:rPr lang="en-US" altLang="zh-CN" sz="3200" dirty="0">
                 <a:solidFill>
                   <a:schemeClr val="tx1">
                     <a:lumMod val="85000"/>
@@ -20361,7 +20646,7 @@
               <a:t> </a:t>
             </a:r>
             <a:r>
-              <a:rPr lang="en-US" altLang="zh-CN" sz="3200" smtClean="0">
+              <a:rPr lang="en-US" altLang="zh-CN" sz="3200" dirty="0" smtClean="0">
                 <a:solidFill>
                   <a:schemeClr val="tx1">
                     <a:lumMod val="85000"/>
@@ -20372,7 +20657,7 @@
               <a:t>Developer</a:t>
             </a:r>
             <a:r>
-              <a:rPr lang="zh-CN" altLang="en-US" sz="3200" smtClean="0">
+              <a:rPr lang="zh-CN" altLang="en-US" sz="3200" dirty="0" smtClean="0">
                 <a:solidFill>
                   <a:schemeClr val="tx1">
                     <a:lumMod val="85000"/>
@@ -20402,21 +20687,10 @@
                   </a:schemeClr>
                 </a:solidFill>
               </a:rPr>
-              <a:t>SQLite</a:t>
-            </a:r>
-            <a:r>
-              <a:rPr lang="en-US" altLang="zh-CN" sz="3200">
-                <a:solidFill>
-                  <a:schemeClr val="tx1">
-                    <a:lumMod val="85000"/>
-                    <a:lumOff val="15000"/>
-                  </a:schemeClr>
-                </a:solidFill>
-              </a:rPr>
-              <a:t> </a:t>
-            </a:r>
-            <a:r>
-              <a:rPr lang="en-US" altLang="zh-CN" sz="3200" smtClean="0">
+              <a:t>SQLite </a:t>
+            </a:r>
+            <a:r>
+              <a:rPr lang="en-US" altLang="zh-CN" sz="3200" dirty="0" smtClean="0">
                 <a:solidFill>
                   <a:schemeClr val="tx1">
                     <a:lumMod val="85000"/>
@@ -20427,7 +20701,7 @@
               <a:t>Expert</a:t>
             </a:r>
             <a:r>
-              <a:rPr lang="zh-CN" altLang="en-US" sz="3200" smtClean="0">
+              <a:rPr lang="zh-CN" altLang="en-US" sz="3200" dirty="0" smtClean="0">
                 <a:solidFill>
                   <a:schemeClr val="tx1">
                     <a:lumMod val="85000"/>
@@ -20449,15 +20723,26 @@
           <a:p>
             <a:pPr lvl="1"/>
             <a:r>
-              <a:rPr lang="en-US" altLang="zh-CN" sz="3200" dirty="0" err="1">
-                <a:solidFill>
-                  <a:schemeClr val="tx1">
-                    <a:lumMod val="85000"/>
-                    <a:lumOff val="15000"/>
-                  </a:schemeClr>
-                </a:solidFill>
-              </a:rPr>
-              <a:t>Sqliteadmin</a:t>
+              <a:rPr lang="en-US" altLang="zh-CN" sz="3200" dirty="0" err="1" smtClean="0">
+                <a:solidFill>
+                  <a:schemeClr val="tx1">
+                    <a:lumMod val="85000"/>
+                    <a:lumOff val="15000"/>
+                  </a:schemeClr>
+                </a:solidFill>
+              </a:rPr>
+              <a:t>Sqlite</a:t>
+            </a:r>
+            <a:r>
+              <a:rPr lang="en-US" altLang="zh-CN" sz="3200" dirty="0" smtClean="0">
+                <a:solidFill>
+                  <a:schemeClr val="tx1">
+                    <a:lumMod val="85000"/>
+                    <a:lumOff val="15000"/>
+                  </a:schemeClr>
+                </a:solidFill>
+              </a:rPr>
+              <a:t> </a:t>
             </a:r>
             <a:r>
               <a:rPr lang="en-US" altLang="zh-CN" sz="3200" dirty="0">
@@ -20468,7 +20753,7 @@
                   </a:schemeClr>
                 </a:solidFill>
               </a:rPr>
-              <a:t> Administrator</a:t>
+              <a:t>Administrator</a:t>
             </a:r>
             <a:r>
               <a:rPr lang="zh-CN" altLang="en-US" sz="3200" dirty="0">
@@ -20493,7 +20778,7 @@
               <a:t>SQLite </a:t>
             </a:r>
             <a:r>
-              <a:rPr lang="zh-CN" altLang="en-US" sz="3200">
+              <a:rPr lang="zh-CN" altLang="en-US" sz="3200" dirty="0">
                 <a:solidFill>
                   <a:schemeClr val="tx1">
                     <a:lumMod val="85000"/>
@@ -20504,7 +20789,7 @@
               <a:t>数据库</a:t>
             </a:r>
             <a:r>
-              <a:rPr lang="zh-CN" altLang="en-US" sz="3200" smtClean="0">
+              <a:rPr lang="zh-CN" altLang="en-US" sz="3200" dirty="0" smtClean="0">
                 <a:solidFill>
                   <a:schemeClr val="tx1">
                     <a:lumMod val="85000"/>
@@ -22160,7 +22445,7 @@
           <a:lstStyle/>
           <a:p>
             <a:r>
-              <a:rPr lang="en-US" altLang="zh-CN" sz="3200" smtClean="0">
+              <a:rPr lang="en-US" altLang="zh-CN" sz="3200" dirty="0" smtClean="0">
                 <a:solidFill>
                   <a:schemeClr val="tx1">
                     <a:lumMod val="85000"/>
@@ -22171,7 +22456,7 @@
               <a:t>Android</a:t>
             </a:r>
             <a:r>
-              <a:rPr lang="zh-CN" altLang="en-US" sz="3200" smtClean="0">
+              <a:rPr lang="zh-CN" altLang="en-US" sz="3200" dirty="0" smtClean="0">
                 <a:solidFill>
                   <a:schemeClr val="tx1">
                     <a:lumMod val="85000"/>
@@ -22182,7 +22467,7 @@
               <a:t>中使用</a:t>
             </a:r>
             <a:r>
-              <a:rPr lang="en-US" altLang="zh-CN" sz="3200" smtClean="0">
+              <a:rPr lang="en-US" altLang="zh-CN" sz="3200" dirty="0" err="1" smtClean="0">
                 <a:solidFill>
                   <a:schemeClr val="tx1">
                     <a:lumMod val="85000"/>
@@ -22193,15 +22478,37 @@
               <a:t>SQLiteDatabase</a:t>
             </a:r>
             <a:r>
-              <a:rPr lang="zh-CN" altLang="en-US" sz="3200" smtClean="0">
-                <a:solidFill>
-                  <a:schemeClr val="tx1">
-                    <a:lumMod val="85000"/>
-                    <a:lumOff val="15000"/>
-                  </a:schemeClr>
-                </a:solidFill>
-              </a:rPr>
-              <a:t>代表数据库，并且提供一些列的静态方法来操作数据：</a:t>
+              <a:rPr lang="zh-CN" altLang="en-US" sz="3200" dirty="0" smtClean="0">
+                <a:solidFill>
+                  <a:schemeClr val="tx1">
+                    <a:lumMod val="85000"/>
+                    <a:lumOff val="15000"/>
+                  </a:schemeClr>
+                </a:solidFill>
+              </a:rPr>
+              <a:t>代表数据库，并且提供一系列</a:t>
+            </a:r>
+            <a:r>
+              <a:rPr lang="zh-CN" altLang="en-US" sz="3200" dirty="0" smtClean="0">
+                <a:solidFill>
+                  <a:schemeClr val="tx1">
+                    <a:lumMod val="85000"/>
+                    <a:lumOff val="15000"/>
+                  </a:schemeClr>
+                </a:solidFill>
+              </a:rPr>
+              <a:t>的方法</a:t>
+            </a:r>
+            <a:r>
+              <a:rPr lang="zh-CN" altLang="en-US" sz="3200" dirty="0" smtClean="0">
+                <a:solidFill>
+                  <a:schemeClr val="tx1">
+                    <a:lumMod val="85000"/>
+                    <a:lumOff val="15000"/>
+                  </a:schemeClr>
+                </a:solidFill>
+              </a:rPr>
+              <a:t>来操作数据：</a:t>
             </a:r>
             <a:endParaRPr lang="en-US" altLang="zh-CN" sz="3200" dirty="0">
               <a:solidFill>
@@ -22267,14 +22574,14 @@
                 <a:gridCol w="7632848">
                   <a:extLst>
                     <a:ext uri="{9D8B030D-6E8A-4147-A177-3AD203B41FA5}">
-                      <a16:colId xmlns:a16="http://schemas.microsoft.com/office/drawing/2014/main" val="967325757"/>
+                      <a16:colId xmlns="" xmlns:a16="http://schemas.microsoft.com/office/drawing/2014/main" val="967325757"/>
                     </a:ext>
                   </a:extLst>
                 </a:gridCol>
                 <a:gridCol w="2808312">
                   <a:extLst>
                     <a:ext uri="{9D8B030D-6E8A-4147-A177-3AD203B41FA5}">
-                      <a16:colId xmlns:a16="http://schemas.microsoft.com/office/drawing/2014/main" val="18751488"/>
+                      <a16:colId xmlns="" xmlns:a16="http://schemas.microsoft.com/office/drawing/2014/main" val="18751488"/>
                     </a:ext>
                   </a:extLst>
                 </a:gridCol>
@@ -22287,7 +22594,7 @@
                     <a:p>
                       <a:pPr algn="ctr"/>
                       <a:r>
-                        <a:rPr lang="zh-CN" altLang="en-US" b="1">
+                        <a:rPr lang="zh-CN" altLang="en-US" b="1" dirty="0">
                           <a:solidFill>
                             <a:schemeClr val="tx1">
                               <a:lumMod val="85000"/>
@@ -22438,7 +22745,7 @@
                 </a:tc>
                 <a:extLst>
                   <a:ext uri="{0D108BD9-81ED-4DB2-BD59-A6C34878D82A}">
-                    <a16:rowId xmlns:a16="http://schemas.microsoft.com/office/drawing/2014/main" val="1526201701"/>
+                    <a16:rowId xmlns="" xmlns:a16="http://schemas.microsoft.com/office/drawing/2014/main" val="1526201701"/>
                   </a:ext>
                 </a:extLst>
               </a:tr>
@@ -22657,7 +22964,7 @@
                 </a:tc>
                 <a:extLst>
                   <a:ext uri="{0D108BD9-81ED-4DB2-BD59-A6C34878D82A}">
-                    <a16:rowId xmlns:a16="http://schemas.microsoft.com/office/drawing/2014/main" val="1399469765"/>
+                    <a16:rowId xmlns="" xmlns:a16="http://schemas.microsoft.com/office/drawing/2014/main" val="1399469765"/>
                   </a:ext>
                 </a:extLst>
               </a:tr>
@@ -22887,7 +23194,7 @@
                 </a:tc>
                 <a:extLst>
                   <a:ext uri="{0D108BD9-81ED-4DB2-BD59-A6C34878D82A}">
-                    <a16:rowId xmlns:a16="http://schemas.microsoft.com/office/drawing/2014/main" val="3878681073"/>
+                    <a16:rowId xmlns="" xmlns:a16="http://schemas.microsoft.com/office/drawing/2014/main" val="3878681073"/>
                   </a:ext>
                 </a:extLst>
               </a:tr>
@@ -23117,7 +23424,7 @@
                 </a:tc>
                 <a:extLst>
                   <a:ext uri="{0D108BD9-81ED-4DB2-BD59-A6C34878D82A}">
-                    <a16:rowId xmlns:a16="http://schemas.microsoft.com/office/drawing/2014/main" val="3211784913"/>
+                    <a16:rowId xmlns="" xmlns:a16="http://schemas.microsoft.com/office/drawing/2014/main" val="3211784913"/>
                   </a:ext>
                 </a:extLst>
               </a:tr>
@@ -23493,7 +23800,7 @@
                 </a:tc>
                 <a:extLst>
                   <a:ext uri="{0D108BD9-81ED-4DB2-BD59-A6C34878D82A}">
-                    <a16:rowId xmlns:a16="http://schemas.microsoft.com/office/drawing/2014/main" val="2838614654"/>
+                    <a16:rowId xmlns="" xmlns:a16="http://schemas.microsoft.com/office/drawing/2014/main" val="2838614654"/>
                   </a:ext>
                 </a:extLst>
               </a:tr>
@@ -23505,7 +23812,7 @@
                     <a:p>
                       <a:pPr algn="l"/>
                       <a:r>
-                        <a:rPr lang="en-US" b="0">
+                        <a:rPr lang="en-US" b="0" dirty="0">
                           <a:solidFill>
                             <a:srgbClr val="C00000"/>
                           </a:solidFill>
@@ -23516,7 +23823,7 @@
                         <a:t>update</a:t>
                       </a:r>
                       <a:r>
-                        <a:rPr lang="en-US">
+                        <a:rPr lang="en-US" dirty="0">
                           <a:solidFill>
                             <a:schemeClr val="tx1">
                               <a:lumMod val="85000"/>
@@ -23530,7 +23837,7 @@
                         <a:t>(String table</a:t>
                       </a:r>
                       <a:r>
-                        <a:rPr lang="en-US" smtClean="0">
+                        <a:rPr lang="en-US" dirty="0" smtClean="0">
                           <a:solidFill>
                             <a:schemeClr val="tx1">
                               <a:lumMod val="85000"/>
@@ -23541,10 +23848,38 @@
                           <a:latin typeface="微软雅黑" panose="020B0503020204020204" pitchFamily="34" charset="-122"/>
                           <a:ea typeface="微软雅黑" panose="020B0503020204020204" pitchFamily="34" charset="-122"/>
                         </a:rPr>
-                        <a:t>, ContentValues </a:t>
+                        <a:t>, </a:t>
                       </a:r>
                       <a:r>
-                        <a:rPr lang="en-US">
+                        <a:rPr lang="en-US" dirty="0" err="1" smtClean="0">
+                          <a:solidFill>
+                            <a:schemeClr val="tx1">
+                              <a:lumMod val="85000"/>
+                              <a:lumOff val="15000"/>
+                            </a:schemeClr>
+                          </a:solidFill>
+                          <a:effectLst/>
+                          <a:latin typeface="微软雅黑" panose="020B0503020204020204" pitchFamily="34" charset="-122"/>
+                          <a:ea typeface="微软雅黑" panose="020B0503020204020204" pitchFamily="34" charset="-122"/>
+                        </a:rPr>
+                        <a:t>ContentValues</a:t>
+                      </a:r>
+                      <a:r>
+                        <a:rPr lang="en-US" dirty="0" smtClean="0">
+                          <a:solidFill>
+                            <a:schemeClr val="tx1">
+                              <a:lumMod val="85000"/>
+                              <a:lumOff val="15000"/>
+                            </a:schemeClr>
+                          </a:solidFill>
+                          <a:effectLst/>
+                          <a:latin typeface="微软雅黑" panose="020B0503020204020204" pitchFamily="34" charset="-122"/>
+                          <a:ea typeface="微软雅黑" panose="020B0503020204020204" pitchFamily="34" charset="-122"/>
+                        </a:rPr>
+                        <a:t> </a:t>
+                      </a:r>
+                      <a:r>
+                        <a:rPr lang="en-US" dirty="0">
                           <a:solidFill>
                             <a:schemeClr val="tx1">
                               <a:lumMod val="85000"/>
@@ -23558,7 +23893,7 @@
                         <a:t>values</a:t>
                       </a:r>
                       <a:r>
-                        <a:rPr lang="en-US" smtClean="0">
+                        <a:rPr lang="en-US" dirty="0" smtClean="0">
                           <a:solidFill>
                             <a:schemeClr val="tx1">
                               <a:lumMod val="85000"/>
@@ -23572,7 +23907,7 @@
                         <a:t>, String </a:t>
                       </a:r>
                       <a:r>
-                        <a:rPr lang="en-US">
+                        <a:rPr lang="en-US" dirty="0" err="1">
                           <a:solidFill>
                             <a:schemeClr val="tx1">
                               <a:lumMod val="85000"/>
@@ -23586,7 +23921,7 @@
                         <a:t>whereClause</a:t>
                       </a:r>
                       <a:r>
-                        <a:rPr lang="en-US" smtClean="0">
+                        <a:rPr lang="en-US" dirty="0" smtClean="0">
                           <a:solidFill>
                             <a:schemeClr val="tx1">
                               <a:lumMod val="85000"/>
@@ -23603,7 +23938,7 @@
                     <a:p>
                       <a:pPr algn="l"/>
                       <a:r>
-                        <a:rPr lang="en-US" smtClean="0">
+                        <a:rPr lang="en-US" dirty="0" smtClean="0">
                           <a:solidFill>
                             <a:schemeClr val="tx1">
                               <a:lumMod val="85000"/>
@@ -23617,7 +23952,7 @@
                         <a:t>             String</a:t>
                       </a:r>
                       <a:r>
-                        <a:rPr lang="en-US">
+                        <a:rPr lang="en-US" dirty="0">
                           <a:solidFill>
                             <a:schemeClr val="tx1">
                               <a:lumMod val="85000"/>
@@ -23628,7 +23963,35 @@
                           <a:latin typeface="微软雅黑" panose="020B0503020204020204" pitchFamily="34" charset="-122"/>
                           <a:ea typeface="微软雅黑" panose="020B0503020204020204" pitchFamily="34" charset="-122"/>
                         </a:rPr>
-                        <a:t>[]  whereArgs)</a:t>
+                        <a:t>[]  </a:t>
+                      </a:r>
+                      <a:r>
+                        <a:rPr lang="en-US" dirty="0" err="1">
+                          <a:solidFill>
+                            <a:schemeClr val="tx1">
+                              <a:lumMod val="85000"/>
+                              <a:lumOff val="15000"/>
+                            </a:schemeClr>
+                          </a:solidFill>
+                          <a:effectLst/>
+                          <a:latin typeface="微软雅黑" panose="020B0503020204020204" pitchFamily="34" charset="-122"/>
+                          <a:ea typeface="微软雅黑" panose="020B0503020204020204" pitchFamily="34" charset="-122"/>
+                        </a:rPr>
+                        <a:t>whereArgs</a:t>
+                      </a:r>
+                      <a:r>
+                        <a:rPr lang="en-US" dirty="0">
+                          <a:solidFill>
+                            <a:schemeClr val="tx1">
+                              <a:lumMod val="85000"/>
+                              <a:lumOff val="15000"/>
+                            </a:schemeClr>
+                          </a:solidFill>
+                          <a:effectLst/>
+                          <a:latin typeface="微软雅黑" panose="020B0503020204020204" pitchFamily="34" charset="-122"/>
+                          <a:ea typeface="微软雅黑" panose="020B0503020204020204" pitchFamily="34" charset="-122"/>
+                        </a:rPr>
+                        <a:t>)</a:t>
                       </a:r>
                     </a:p>
                   </a:txBody>
@@ -23768,7 +24131,7 @@
                 </a:tc>
                 <a:extLst>
                   <a:ext uri="{0D108BD9-81ED-4DB2-BD59-A6C34878D82A}">
-                    <a16:rowId xmlns:a16="http://schemas.microsoft.com/office/drawing/2014/main" val="1721290701"/>
+                    <a16:rowId xmlns="" xmlns:a16="http://schemas.microsoft.com/office/drawing/2014/main" val="1721290701"/>
                   </a:ext>
                 </a:extLst>
               </a:tr>
@@ -23780,7 +24143,7 @@
                     <a:p>
                       <a:pPr algn="l"/>
                       <a:r>
-                        <a:rPr lang="en-US" b="0">
+                        <a:rPr lang="en-US" b="0" dirty="0" err="1">
                           <a:solidFill>
                             <a:srgbClr val="C00000"/>
                           </a:solidFill>
@@ -23791,7 +24154,7 @@
                         <a:t>execSQL</a:t>
                       </a:r>
                       <a:r>
-                        <a:rPr lang="en-US">
+                        <a:rPr lang="en-US" dirty="0">
                           <a:solidFill>
                             <a:schemeClr val="tx1">
                               <a:lumMod val="85000"/>
@@ -23802,7 +24165,35 @@
                           <a:latin typeface="微软雅黑" panose="020B0503020204020204" pitchFamily="34" charset="-122"/>
                           <a:ea typeface="微软雅黑" panose="020B0503020204020204" pitchFamily="34" charset="-122"/>
                         </a:rPr>
-                        <a:t>(String sql)</a:t>
+                        <a:t>(String </a:t>
+                      </a:r>
+                      <a:r>
+                        <a:rPr lang="en-US" dirty="0" err="1">
+                          <a:solidFill>
+                            <a:schemeClr val="tx1">
+                              <a:lumMod val="85000"/>
+                              <a:lumOff val="15000"/>
+                            </a:schemeClr>
+                          </a:solidFill>
+                          <a:effectLst/>
+                          <a:latin typeface="微软雅黑" panose="020B0503020204020204" pitchFamily="34" charset="-122"/>
+                          <a:ea typeface="微软雅黑" panose="020B0503020204020204" pitchFamily="34" charset="-122"/>
+                        </a:rPr>
+                        <a:t>sql</a:t>
+                      </a:r>
+                      <a:r>
+                        <a:rPr lang="en-US" dirty="0">
+                          <a:solidFill>
+                            <a:schemeClr val="tx1">
+                              <a:lumMod val="85000"/>
+                              <a:lumOff val="15000"/>
+                            </a:schemeClr>
+                          </a:solidFill>
+                          <a:effectLst/>
+                          <a:latin typeface="微软雅黑" panose="020B0503020204020204" pitchFamily="34" charset="-122"/>
+                          <a:ea typeface="微软雅黑" panose="020B0503020204020204" pitchFamily="34" charset="-122"/>
+                        </a:rPr>
+                        <a:t>)</a:t>
                       </a:r>
                     </a:p>
                   </a:txBody>
@@ -23970,7 +24361,7 @@
                 </a:tc>
                 <a:extLst>
                   <a:ext uri="{0D108BD9-81ED-4DB2-BD59-A6C34878D82A}">
-                    <a16:rowId xmlns:a16="http://schemas.microsoft.com/office/drawing/2014/main" val="1467372124"/>
+                    <a16:rowId xmlns="" xmlns:a16="http://schemas.microsoft.com/office/drawing/2014/main" val="1467372124"/>
                   </a:ext>
                 </a:extLst>
               </a:tr>
@@ -24144,7 +24535,7 @@
                 </a:tc>
                 <a:extLst>
                   <a:ext uri="{0D108BD9-81ED-4DB2-BD59-A6C34878D82A}">
-                    <a16:rowId xmlns:a16="http://schemas.microsoft.com/office/drawing/2014/main" val="3580118957"/>
+                    <a16:rowId xmlns="" xmlns:a16="http://schemas.microsoft.com/office/drawing/2014/main" val="3580118957"/>
                   </a:ext>
                 </a:extLst>
               </a:tr>
@@ -24162,6 +24553,13 @@
   <p:clrMapOvr>
     <a:masterClrMapping/>
   </p:clrMapOvr>
+  <p:timing>
+    <p:tnLst>
+      <p:par>
+        <p:cTn id="1" dur="indefinite" restart="never" nodeType="tmRoot"/>
+      </p:par>
+    </p:tnLst>
+  </p:timing>
 </p:sld>
 </file>
 
@@ -24716,7 +25114,7 @@
               </a:spcBef>
             </a:pPr>
             <a:r>
-              <a:rPr lang="zh-CN" altLang="en-US" sz="2800">
+              <a:rPr lang="zh-CN" altLang="en-US" sz="2800" dirty="0">
                 <a:solidFill>
                   <a:schemeClr val="tx1">
                     <a:lumMod val="85000"/>
@@ -24727,7 +25125,7 @@
               <a:t>参数一</a:t>
             </a:r>
             <a:r>
-              <a:rPr lang="zh-CN" altLang="en-US" sz="2800" smtClean="0">
+              <a:rPr lang="zh-CN" altLang="en-US" sz="2800" dirty="0" smtClean="0">
                 <a:solidFill>
                   <a:schemeClr val="tx1">
                     <a:lumMod val="85000"/>
@@ -24737,7 +25135,7 @@
               </a:rPr>
               <a:t>：数据库路径。</a:t>
             </a:r>
-            <a:endParaRPr lang="en-US" altLang="zh-CN" sz="2800" smtClean="0">
+            <a:endParaRPr lang="en-US" altLang="zh-CN" sz="2800" dirty="0" smtClean="0">
               <a:solidFill>
                 <a:schemeClr val="tx1">
                   <a:lumMod val="85000"/>
@@ -24761,10 +25159,10 @@
                   </a:schemeClr>
                 </a:solidFill>
               </a:rPr>
-              <a:t>参数二：游标，一般使用</a:t>
-            </a:r>
-            <a:r>
-              <a:rPr lang="en-US" altLang="zh-CN" sz="2800" smtClean="0">
+              <a:t>参数二：游标工厂，一般使用</a:t>
+            </a:r>
+            <a:r>
+              <a:rPr lang="en-US" altLang="zh-CN" sz="2800" dirty="0" smtClean="0">
                 <a:solidFill>
                   <a:schemeClr val="tx1">
                     <a:lumMod val="85000"/>
@@ -24775,7 +25173,7 @@
               <a:t>null</a:t>
             </a:r>
             <a:r>
-              <a:rPr lang="zh-CN" altLang="en-US" sz="2800" smtClean="0">
+              <a:rPr lang="zh-CN" altLang="en-US" sz="2800" dirty="0" smtClean="0">
                 <a:solidFill>
                   <a:schemeClr val="tx1">
                     <a:lumMod val="85000"/>
@@ -24806,6 +25204,13 @@
   <p:clrMapOvr>
     <a:masterClrMapping/>
   </p:clrMapOvr>
+  <p:timing>
+    <p:tnLst>
+      <p:par>
+        <p:cTn id="1" dur="indefinite" restart="never" nodeType="tmRoot"/>
+      </p:par>
+    </p:tnLst>
+  </p:timing>
 </p:sld>
 </file>
 
@@ -25393,6 +25798,13 @@
   <p:clrMapOvr>
     <a:masterClrMapping/>
   </p:clrMapOvr>
+  <p:timing>
+    <p:tnLst>
+      <p:par>
+        <p:cTn id="1" dur="indefinite" restart="never" nodeType="tmRoot"/>
+      </p:par>
+    </p:tnLst>
+  </p:timing>
 </p:sld>
 </file>
 
